--- a/빅데이터분석_디엠_발표자료.pptx
+++ b/빅데이터분석_디엠_발표자료.pptx
@@ -24,24 +24,25 @@
     <p:sldId id="274" r:id="rId18"/>
     <p:sldId id="275" r:id="rId19"/>
     <p:sldId id="277" r:id="rId20"/>
-    <p:sldId id="276" r:id="rId21"/>
-    <p:sldId id="261" r:id="rId22"/>
+    <p:sldId id="279" r:id="rId21"/>
+    <p:sldId id="276" r:id="rId22"/>
+    <p:sldId id="261" r:id="rId23"/>
   </p:sldIdLst>
   <p:sldSz cx="12192000" cy="6858000"/>
   <p:notesSz cx="6858000" cy="9144000"/>
   <p:embeddedFontLst>
     <p:embeddedFont>
       <p:font typeface="경기천년제목 Light" panose="02020403020101020101" pitchFamily="18" charset="-127"/>
-      <p:regular r:id="rId23"/>
+      <p:regular r:id="rId24"/>
     </p:embeddedFont>
     <p:embeddedFont>
       <p:font typeface="맑은 고딕" panose="020B0503020000020004" pitchFamily="50" charset="-127"/>
-      <p:regular r:id="rId24"/>
-      <p:bold r:id="rId25"/>
+      <p:regular r:id="rId25"/>
+      <p:bold r:id="rId26"/>
     </p:embeddedFont>
     <p:embeddedFont>
       <p:font typeface="스웨거 TTF" panose="020B0600000101010101" pitchFamily="50" charset="-127"/>
-      <p:regular r:id="rId26"/>
+      <p:regular r:id="rId27"/>
     </p:embeddedFont>
   </p:embeddedFontLst>
   <p:defaultTextStyle>
@@ -12013,317 +12014,6 @@
           </a:p>
         </p:txBody>
       </p:sp>
-      <p:grpSp>
-        <p:nvGrpSpPr>
-          <p:cNvPr id="17" name="그룹 16">
-            <a:extLst>
-              <a:ext uri="{FF2B5EF4-FFF2-40B4-BE49-F238E27FC236}">
-                <a16:creationId xmlns:a16="http://schemas.microsoft.com/office/drawing/2014/main" id="{7D1930DE-D0A7-48ED-891A-82C15F2AF99F}"/>
-              </a:ext>
-            </a:extLst>
-          </p:cNvPr>
-          <p:cNvGrpSpPr/>
-          <p:nvPr/>
-        </p:nvGrpSpPr>
-        <p:grpSpPr>
-          <a:xfrm>
-            <a:off x="3736016" y="1347124"/>
-            <a:ext cx="4343104" cy="958734"/>
-            <a:chOff x="4414261" y="1441610"/>
-            <a:chExt cx="4343104" cy="958734"/>
-          </a:xfrm>
-        </p:grpSpPr>
-        <p:sp>
-          <p:nvSpPr>
-            <p:cNvPr id="18" name="직사각형 17">
-              <a:extLst>
-                <a:ext uri="{FF2B5EF4-FFF2-40B4-BE49-F238E27FC236}">
-                  <a16:creationId xmlns:a16="http://schemas.microsoft.com/office/drawing/2014/main" id="{2C2C9554-8BBD-48CF-9348-833AFBD6CE24}"/>
-                </a:ext>
-              </a:extLst>
-            </p:cNvPr>
-            <p:cNvSpPr/>
-            <p:nvPr/>
-          </p:nvSpPr>
-          <p:spPr>
-            <a:xfrm>
-              <a:off x="4414261" y="1441610"/>
-              <a:ext cx="1440000" cy="628300"/>
-            </a:xfrm>
-            <a:prstGeom prst="rect">
-              <a:avLst/>
-            </a:prstGeom>
-            <a:solidFill>
-              <a:srgbClr val="FC9E7F"/>
-            </a:solidFill>
-            <a:ln>
-              <a:solidFill>
-                <a:srgbClr val="FDD3C0"/>
-              </a:solidFill>
-            </a:ln>
-          </p:spPr>
-          <p:style>
-            <a:lnRef idx="2">
-              <a:schemeClr val="accent1">
-                <a:shade val="50000"/>
-              </a:schemeClr>
-            </a:lnRef>
-            <a:fillRef idx="1">
-              <a:schemeClr val="accent1"/>
-            </a:fillRef>
-            <a:effectRef idx="0">
-              <a:schemeClr val="accent1"/>
-            </a:effectRef>
-            <a:fontRef idx="minor">
-              <a:schemeClr val="lt1"/>
-            </a:fontRef>
-          </p:style>
-          <p:txBody>
-            <a:bodyPr rtlCol="0" anchor="ctr"/>
-            <a:lstStyle/>
-            <a:p>
-              <a:pPr algn="ctr"/>
-              <a:r>
-                <a:rPr lang="en-US" altLang="ko-KR" dirty="0">
-                  <a:latin typeface="경기천년제목 Light" panose="02020403020101020101" pitchFamily="18" charset="-127"/>
-                  <a:ea typeface="경기천년제목 Light" panose="02020403020101020101" pitchFamily="18" charset="-127"/>
-                </a:rPr>
-                <a:t>13,679,270</a:t>
-              </a:r>
-              <a:endParaRPr lang="ko-KR" altLang="en-US" dirty="0">
-                <a:latin typeface="경기천년제목 Light" panose="02020403020101020101" pitchFamily="18" charset="-127"/>
-                <a:ea typeface="경기천년제목 Light" panose="02020403020101020101" pitchFamily="18" charset="-127"/>
-              </a:endParaRPr>
-            </a:p>
-          </p:txBody>
-        </p:sp>
-        <p:sp>
-          <p:nvSpPr>
-            <p:cNvPr id="19" name="직사각형 18">
-              <a:extLst>
-                <a:ext uri="{FF2B5EF4-FFF2-40B4-BE49-F238E27FC236}">
-                  <a16:creationId xmlns:a16="http://schemas.microsoft.com/office/drawing/2014/main" id="{050738A3-2107-4F30-8CEC-6CC0C353F332}"/>
-                </a:ext>
-              </a:extLst>
-            </p:cNvPr>
-            <p:cNvSpPr/>
-            <p:nvPr/>
-          </p:nvSpPr>
-          <p:spPr>
-            <a:xfrm>
-              <a:off x="6643253" y="1441610"/>
-              <a:ext cx="1440000" cy="628300"/>
-            </a:xfrm>
-            <a:prstGeom prst="rect">
-              <a:avLst/>
-            </a:prstGeom>
-            <a:solidFill>
-              <a:srgbClr val="FC9E7F"/>
-            </a:solidFill>
-            <a:ln>
-              <a:solidFill>
-                <a:srgbClr val="FDD3C0"/>
-              </a:solidFill>
-            </a:ln>
-          </p:spPr>
-          <p:style>
-            <a:lnRef idx="2">
-              <a:schemeClr val="accent1">
-                <a:shade val="50000"/>
-              </a:schemeClr>
-            </a:lnRef>
-            <a:fillRef idx="1">
-              <a:schemeClr val="accent1"/>
-            </a:fillRef>
-            <a:effectRef idx="0">
-              <a:schemeClr val="accent1"/>
-            </a:effectRef>
-            <a:fontRef idx="minor">
-              <a:schemeClr val="lt1"/>
-            </a:fontRef>
-          </p:style>
-          <p:txBody>
-            <a:bodyPr rtlCol="0" anchor="ctr"/>
-            <a:lstStyle/>
-            <a:p>
-              <a:pPr algn="ctr"/>
-              <a:r>
-                <a:rPr lang="en-US" altLang="ko-KR" dirty="0">
-                  <a:latin typeface="경기천년제목 Light" panose="02020403020101020101" pitchFamily="18" charset="-127"/>
-                  <a:ea typeface="경기천년제목 Light" panose="02020403020101020101" pitchFamily="18" charset="-127"/>
-                </a:rPr>
-                <a:t>36,774</a:t>
-              </a:r>
-              <a:endParaRPr lang="ko-KR" altLang="en-US" dirty="0">
-                <a:latin typeface="경기천년제목 Light" panose="02020403020101020101" pitchFamily="18" charset="-127"/>
-                <a:ea typeface="경기천년제목 Light" panose="02020403020101020101" pitchFamily="18" charset="-127"/>
-              </a:endParaRPr>
-            </a:p>
-          </p:txBody>
-        </p:sp>
-        <p:pic>
-          <p:nvPicPr>
-            <p:cNvPr id="20" name="그림 19">
-              <a:extLst>
-                <a:ext uri="{FF2B5EF4-FFF2-40B4-BE49-F238E27FC236}">
-                  <a16:creationId xmlns:a16="http://schemas.microsoft.com/office/drawing/2014/main" id="{955B303B-9D84-476C-A6F2-26A33193BCA2}"/>
-                </a:ext>
-              </a:extLst>
-            </p:cNvPr>
-            <p:cNvPicPr>
-              <a:picLocks noChangeAspect="1"/>
-            </p:cNvPicPr>
-            <p:nvPr/>
-          </p:nvPicPr>
-          <p:blipFill rotWithShape="1">
-            <a:blip r:embed="rId2"/>
-            <a:srcRect l="25593" t="25979" r="41392" b="16289"/>
-            <a:stretch/>
-          </p:blipFill>
-          <p:spPr>
-            <a:xfrm>
-              <a:off x="5995799" y="1491483"/>
-              <a:ext cx="558140" cy="548990"/>
-            </a:xfrm>
-            <a:prstGeom prst="rect">
-              <a:avLst/>
-            </a:prstGeom>
-          </p:spPr>
-        </p:pic>
-        <p:pic>
-          <p:nvPicPr>
-            <p:cNvPr id="21" name="그림 20">
-              <a:extLst>
-                <a:ext uri="{FF2B5EF4-FFF2-40B4-BE49-F238E27FC236}">
-                  <a16:creationId xmlns:a16="http://schemas.microsoft.com/office/drawing/2014/main" id="{1FFED261-7B70-4491-82E3-0CC25CC5324C}"/>
-                </a:ext>
-              </a:extLst>
-            </p:cNvPr>
-            <p:cNvPicPr>
-              <a:picLocks noChangeAspect="1"/>
-            </p:cNvPicPr>
-            <p:nvPr/>
-          </p:nvPicPr>
-          <p:blipFill rotWithShape="1">
-            <a:blip r:embed="rId3"/>
-            <a:srcRect l="24587" t="29483" r="41933" b="13055"/>
-            <a:stretch/>
-          </p:blipFill>
-          <p:spPr>
-            <a:xfrm>
-              <a:off x="8196130" y="1490425"/>
-              <a:ext cx="561235" cy="541837"/>
-            </a:xfrm>
-            <a:prstGeom prst="rect">
-              <a:avLst/>
-            </a:prstGeom>
-          </p:spPr>
-        </p:pic>
-        <p:sp>
-          <p:nvSpPr>
-            <p:cNvPr id="22" name="TextBox 21">
-              <a:extLst>
-                <a:ext uri="{FF2B5EF4-FFF2-40B4-BE49-F238E27FC236}">
-                  <a16:creationId xmlns:a16="http://schemas.microsoft.com/office/drawing/2014/main" id="{7FBBC43D-B0AB-4718-8BC5-EF0AD088F6F0}"/>
-                </a:ext>
-              </a:extLst>
-            </p:cNvPr>
-            <p:cNvSpPr txBox="1"/>
-            <p:nvPr/>
-          </p:nvSpPr>
-          <p:spPr>
-            <a:xfrm>
-              <a:off x="4559540" y="2102753"/>
-              <a:ext cx="1034257" cy="276999"/>
-            </a:xfrm>
-            <a:prstGeom prst="rect">
-              <a:avLst/>
-            </a:prstGeom>
-            <a:noFill/>
-          </p:spPr>
-          <p:txBody>
-            <a:bodyPr wrap="none" rtlCol="0">
-              <a:spAutoFit/>
-            </a:bodyPr>
-            <a:lstStyle/>
-            <a:p>
-              <a:r>
-                <a:rPr lang="ko-KR" altLang="en-US" sz="1200" dirty="0">
-                  <a:latin typeface="경기천년제목 Light" panose="02020403020101020101" pitchFamily="18" charset="-127"/>
-                  <a:ea typeface="경기천년제목 Light" panose="02020403020101020101" pitchFamily="18" charset="-127"/>
-                </a:rPr>
-                <a:t>전국</a:t>
-              </a:r>
-              <a:r>
-                <a:rPr lang="en-US" altLang="ko-KR" sz="1200" dirty="0">
-                  <a:latin typeface="경기천년제목 Light" panose="02020403020101020101" pitchFamily="18" charset="-127"/>
-                  <a:ea typeface="경기천년제목 Light" panose="02020403020101020101" pitchFamily="18" charset="-127"/>
-                </a:rPr>
-                <a:t> </a:t>
-              </a:r>
-              <a:r>
-                <a:rPr lang="ko-KR" altLang="en-US" sz="1200" dirty="0">
-                  <a:latin typeface="경기천년제목 Light" panose="02020403020101020101" pitchFamily="18" charset="-127"/>
-                  <a:ea typeface="경기천년제목 Light" panose="02020403020101020101" pitchFamily="18" charset="-127"/>
-                </a:rPr>
-                <a:t>청년 인구</a:t>
-              </a:r>
-            </a:p>
-          </p:txBody>
-        </p:sp>
-        <p:sp>
-          <p:nvSpPr>
-            <p:cNvPr id="23" name="TextBox 22">
-              <a:extLst>
-                <a:ext uri="{FF2B5EF4-FFF2-40B4-BE49-F238E27FC236}">
-                  <a16:creationId xmlns:a16="http://schemas.microsoft.com/office/drawing/2014/main" id="{D5889586-7AD2-4C66-8A81-94D48900022D}"/>
-                </a:ext>
-              </a:extLst>
-            </p:cNvPr>
-            <p:cNvSpPr txBox="1"/>
-            <p:nvPr/>
-          </p:nvSpPr>
-          <p:spPr>
-            <a:xfrm>
-              <a:off x="6717082" y="2123345"/>
-              <a:ext cx="1292341" cy="276999"/>
-            </a:xfrm>
-            <a:prstGeom prst="rect">
-              <a:avLst/>
-            </a:prstGeom>
-            <a:noFill/>
-          </p:spPr>
-          <p:txBody>
-            <a:bodyPr wrap="none" rtlCol="0">
-              <a:spAutoFit/>
-            </a:bodyPr>
-            <a:lstStyle/>
-            <a:p>
-              <a:r>
-                <a:rPr lang="ko-KR" altLang="en-US" sz="1200" dirty="0">
-                  <a:latin typeface="경기천년제목 Light" panose="02020403020101020101" pitchFamily="18" charset="-127"/>
-                  <a:ea typeface="경기천년제목 Light" panose="02020403020101020101" pitchFamily="18" charset="-127"/>
-                </a:rPr>
-                <a:t>전국</a:t>
-              </a:r>
-              <a:r>
-                <a:rPr lang="en-US" altLang="ko-KR" sz="1200" dirty="0">
-                  <a:latin typeface="경기천년제목 Light" panose="02020403020101020101" pitchFamily="18" charset="-127"/>
-                  <a:ea typeface="경기천년제목 Light" panose="02020403020101020101" pitchFamily="18" charset="-127"/>
-                </a:rPr>
-                <a:t> </a:t>
-              </a:r>
-              <a:r>
-                <a:rPr lang="ko-KR" altLang="en-US" sz="1200" dirty="0">
-                  <a:latin typeface="경기천년제목 Light" panose="02020403020101020101" pitchFamily="18" charset="-127"/>
-                  <a:ea typeface="경기천년제목 Light" panose="02020403020101020101" pitchFamily="18" charset="-127"/>
-                </a:rPr>
-                <a:t>청년 신설기업</a:t>
-              </a:r>
-            </a:p>
-          </p:txBody>
-        </p:sp>
-      </p:grpSp>
       <p:sp>
         <p:nvSpPr>
           <p:cNvPr id="24" name="TextBox 23">
@@ -12387,110 +12077,6 @@
           </a:p>
         </p:txBody>
       </p:sp>
-      <p:sp>
-        <p:nvSpPr>
-          <p:cNvPr id="25" name="이등변 삼각형 24">
-            <a:extLst>
-              <a:ext uri="{FF2B5EF4-FFF2-40B4-BE49-F238E27FC236}">
-                <a16:creationId xmlns:a16="http://schemas.microsoft.com/office/drawing/2014/main" id="{57B70AC1-0168-4052-977A-781F27710967}"/>
-              </a:ext>
-            </a:extLst>
-          </p:cNvPr>
-          <p:cNvSpPr/>
-          <p:nvPr/>
-        </p:nvSpPr>
-        <p:spPr>
-          <a:xfrm>
-            <a:off x="4915552" y="2080406"/>
-            <a:ext cx="125257" cy="134346"/>
-          </a:xfrm>
-          <a:prstGeom prst="triangle">
-            <a:avLst/>
-          </a:prstGeom>
-          <a:solidFill>
-            <a:srgbClr val="DA2623"/>
-          </a:solidFill>
-          <a:ln>
-            <a:noFill/>
-          </a:ln>
-        </p:spPr>
-        <p:style>
-          <a:lnRef idx="2">
-            <a:schemeClr val="accent1">
-              <a:shade val="50000"/>
-            </a:schemeClr>
-          </a:lnRef>
-          <a:fillRef idx="1">
-            <a:schemeClr val="accent1"/>
-          </a:fillRef>
-          <a:effectRef idx="0">
-            <a:schemeClr val="accent1"/>
-          </a:effectRef>
-          <a:fontRef idx="minor">
-            <a:schemeClr val="lt1"/>
-          </a:fontRef>
-        </p:style>
-        <p:txBody>
-          <a:bodyPr rtlCol="0" anchor="ctr"/>
-          <a:lstStyle/>
-          <a:p>
-            <a:pPr algn="ctr"/>
-            <a:endParaRPr lang="ko-KR" altLang="en-US"/>
-          </a:p>
-        </p:txBody>
-      </p:sp>
-      <p:sp>
-        <p:nvSpPr>
-          <p:cNvPr id="26" name="이등변 삼각형 25">
-            <a:extLst>
-              <a:ext uri="{FF2B5EF4-FFF2-40B4-BE49-F238E27FC236}">
-                <a16:creationId xmlns:a16="http://schemas.microsoft.com/office/drawing/2014/main" id="{62261160-1339-496B-97E6-96C1359CB3E2}"/>
-              </a:ext>
-            </a:extLst>
-          </p:cNvPr>
-          <p:cNvSpPr/>
-          <p:nvPr/>
-        </p:nvSpPr>
-        <p:spPr>
-          <a:xfrm>
-            <a:off x="7317096" y="2120863"/>
-            <a:ext cx="125257" cy="134346"/>
-          </a:xfrm>
-          <a:prstGeom prst="triangle">
-            <a:avLst/>
-          </a:prstGeom>
-          <a:solidFill>
-            <a:srgbClr val="DA2623"/>
-          </a:solidFill>
-          <a:ln>
-            <a:noFill/>
-          </a:ln>
-        </p:spPr>
-        <p:style>
-          <a:lnRef idx="2">
-            <a:schemeClr val="accent1">
-              <a:shade val="50000"/>
-            </a:schemeClr>
-          </a:lnRef>
-          <a:fillRef idx="1">
-            <a:schemeClr val="accent1"/>
-          </a:fillRef>
-          <a:effectRef idx="0">
-            <a:schemeClr val="accent1"/>
-          </a:effectRef>
-          <a:fontRef idx="minor">
-            <a:schemeClr val="lt1"/>
-          </a:fontRef>
-        </p:style>
-        <p:txBody>
-          <a:bodyPr rtlCol="0" anchor="ctr"/>
-          <a:lstStyle/>
-          <a:p>
-            <a:pPr algn="ctr"/>
-            <a:endParaRPr lang="ko-KR" altLang="en-US"/>
-          </a:p>
-        </p:txBody>
-      </p:sp>
       <p:pic>
         <p:nvPicPr>
           <p:cNvPr id="27" name="그림 26">
@@ -12506,14 +12092,14 @@
           <p:nvPr/>
         </p:nvPicPr>
         <p:blipFill rotWithShape="1">
-          <a:blip r:embed="rId4"/>
+          <a:blip r:embed="rId2"/>
           <a:srcRect l="25284" t="34963" r="42242" b="7354"/>
           <a:stretch/>
         </p:blipFill>
         <p:spPr>
           <a:xfrm>
-            <a:off x="4723182" y="2646785"/>
-            <a:ext cx="3529519" cy="3526524"/>
+            <a:off x="4658680" y="2522094"/>
+            <a:ext cx="3834768" cy="3831513"/>
           </a:xfrm>
           <a:prstGeom prst="rect">
             <a:avLst/>
@@ -12535,20 +12121,439 @@
           <p:nvPr/>
         </p:nvPicPr>
         <p:blipFill rotWithShape="1">
-          <a:blip r:embed="rId5"/>
+          <a:blip r:embed="rId3"/>
           <a:srcRect l="25284" t="31398" r="41566" b="9984"/>
           <a:stretch/>
         </p:blipFill>
         <p:spPr>
           <a:xfrm>
-            <a:off x="533418" y="2593355"/>
-            <a:ext cx="3463285" cy="3444753"/>
+            <a:off x="533418" y="2524432"/>
+            <a:ext cx="3915625" cy="3894673"/>
           </a:xfrm>
           <a:prstGeom prst="rect">
             <a:avLst/>
           </a:prstGeom>
         </p:spPr>
       </p:pic>
+      <p:grpSp>
+        <p:nvGrpSpPr>
+          <p:cNvPr id="29" name="그룹 28">
+            <a:extLst>
+              <a:ext uri="{FF2B5EF4-FFF2-40B4-BE49-F238E27FC236}">
+                <a16:creationId xmlns:a16="http://schemas.microsoft.com/office/drawing/2014/main" id="{F409B799-5B21-4B98-AF7A-0162C1C6C87D}"/>
+              </a:ext>
+            </a:extLst>
+          </p:cNvPr>
+          <p:cNvGrpSpPr/>
+          <p:nvPr/>
+        </p:nvGrpSpPr>
+        <p:grpSpPr>
+          <a:xfrm>
+            <a:off x="3537569" y="1330953"/>
+            <a:ext cx="4343104" cy="975749"/>
+            <a:chOff x="4414261" y="1441610"/>
+            <a:chExt cx="4343104" cy="975749"/>
+          </a:xfrm>
+        </p:grpSpPr>
+        <p:sp>
+          <p:nvSpPr>
+            <p:cNvPr id="30" name="직사각형 29">
+              <a:extLst>
+                <a:ext uri="{FF2B5EF4-FFF2-40B4-BE49-F238E27FC236}">
+                  <a16:creationId xmlns:a16="http://schemas.microsoft.com/office/drawing/2014/main" id="{208CF8E4-A01D-47EB-90BB-0DB3B3DDC5B9}"/>
+                </a:ext>
+              </a:extLst>
+            </p:cNvPr>
+            <p:cNvSpPr/>
+            <p:nvPr/>
+          </p:nvSpPr>
+          <p:spPr>
+            <a:xfrm>
+              <a:off x="4414261" y="1441610"/>
+              <a:ext cx="1440000" cy="628300"/>
+            </a:xfrm>
+            <a:prstGeom prst="rect">
+              <a:avLst/>
+            </a:prstGeom>
+            <a:solidFill>
+              <a:srgbClr val="FC9E7F"/>
+            </a:solidFill>
+            <a:ln>
+              <a:solidFill>
+                <a:srgbClr val="FDD3C0"/>
+              </a:solidFill>
+            </a:ln>
+          </p:spPr>
+          <p:style>
+            <a:lnRef idx="2">
+              <a:schemeClr val="accent1">
+                <a:shade val="50000"/>
+              </a:schemeClr>
+            </a:lnRef>
+            <a:fillRef idx="1">
+              <a:schemeClr val="accent1"/>
+            </a:fillRef>
+            <a:effectRef idx="0">
+              <a:schemeClr val="accent1"/>
+            </a:effectRef>
+            <a:fontRef idx="minor">
+              <a:schemeClr val="lt1"/>
+            </a:fontRef>
+          </p:style>
+          <p:txBody>
+            <a:bodyPr rtlCol="0" anchor="ctr"/>
+            <a:lstStyle/>
+            <a:p>
+              <a:pPr algn="ctr"/>
+              <a:r>
+                <a:rPr lang="en-US" altLang="ko-KR" dirty="0">
+                  <a:latin typeface="경기천년제목 Light" panose="02020403020101020101" pitchFamily="18" charset="-127"/>
+                  <a:ea typeface="경기천년제목 Light" panose="02020403020101020101" pitchFamily="18" charset="-127"/>
+                </a:rPr>
+                <a:t>13,679,270</a:t>
+              </a:r>
+              <a:endParaRPr lang="ko-KR" altLang="en-US" dirty="0">
+                <a:latin typeface="경기천년제목 Light" panose="02020403020101020101" pitchFamily="18" charset="-127"/>
+                <a:ea typeface="경기천년제목 Light" panose="02020403020101020101" pitchFamily="18" charset="-127"/>
+              </a:endParaRPr>
+            </a:p>
+          </p:txBody>
+        </p:sp>
+        <p:sp>
+          <p:nvSpPr>
+            <p:cNvPr id="31" name="직사각형 30">
+              <a:extLst>
+                <a:ext uri="{FF2B5EF4-FFF2-40B4-BE49-F238E27FC236}">
+                  <a16:creationId xmlns:a16="http://schemas.microsoft.com/office/drawing/2014/main" id="{8A5CEFF1-2E85-4BAD-9257-6140A393CCCE}"/>
+                </a:ext>
+              </a:extLst>
+            </p:cNvPr>
+            <p:cNvSpPr/>
+            <p:nvPr/>
+          </p:nvSpPr>
+          <p:spPr>
+            <a:xfrm>
+              <a:off x="6643253" y="1441610"/>
+              <a:ext cx="1440000" cy="628300"/>
+            </a:xfrm>
+            <a:prstGeom prst="rect">
+              <a:avLst/>
+            </a:prstGeom>
+            <a:solidFill>
+              <a:srgbClr val="FC9E7F"/>
+            </a:solidFill>
+            <a:ln>
+              <a:solidFill>
+                <a:srgbClr val="FDD3C0"/>
+              </a:solidFill>
+            </a:ln>
+          </p:spPr>
+          <p:style>
+            <a:lnRef idx="2">
+              <a:schemeClr val="accent1">
+                <a:shade val="50000"/>
+              </a:schemeClr>
+            </a:lnRef>
+            <a:fillRef idx="1">
+              <a:schemeClr val="accent1"/>
+            </a:fillRef>
+            <a:effectRef idx="0">
+              <a:schemeClr val="accent1"/>
+            </a:effectRef>
+            <a:fontRef idx="minor">
+              <a:schemeClr val="lt1"/>
+            </a:fontRef>
+          </p:style>
+          <p:txBody>
+            <a:bodyPr rtlCol="0" anchor="ctr"/>
+            <a:lstStyle/>
+            <a:p>
+              <a:pPr algn="ctr"/>
+              <a:r>
+                <a:rPr lang="en-US" altLang="ko-KR" dirty="0">
+                  <a:latin typeface="경기천년제목 Light" panose="02020403020101020101" pitchFamily="18" charset="-127"/>
+                  <a:ea typeface="경기천년제목 Light" panose="02020403020101020101" pitchFamily="18" charset="-127"/>
+                </a:rPr>
+                <a:t>36,774</a:t>
+              </a:r>
+              <a:endParaRPr lang="ko-KR" altLang="en-US" dirty="0">
+                <a:latin typeface="경기천년제목 Light" panose="02020403020101020101" pitchFamily="18" charset="-127"/>
+                <a:ea typeface="경기천년제목 Light" panose="02020403020101020101" pitchFamily="18" charset="-127"/>
+              </a:endParaRPr>
+            </a:p>
+          </p:txBody>
+        </p:sp>
+        <p:pic>
+          <p:nvPicPr>
+            <p:cNvPr id="32" name="그림 31">
+              <a:extLst>
+                <a:ext uri="{FF2B5EF4-FFF2-40B4-BE49-F238E27FC236}">
+                  <a16:creationId xmlns:a16="http://schemas.microsoft.com/office/drawing/2014/main" id="{A83A5824-A6DD-421F-B567-1CDF311FDF70}"/>
+                </a:ext>
+              </a:extLst>
+            </p:cNvPr>
+            <p:cNvPicPr>
+              <a:picLocks noChangeAspect="1"/>
+            </p:cNvPicPr>
+            <p:nvPr/>
+          </p:nvPicPr>
+          <p:blipFill rotWithShape="1">
+            <a:blip r:embed="rId4"/>
+            <a:srcRect l="25593" t="25979" r="41392" b="16289"/>
+            <a:stretch/>
+          </p:blipFill>
+          <p:spPr>
+            <a:xfrm>
+              <a:off x="5995799" y="1491483"/>
+              <a:ext cx="558140" cy="548990"/>
+            </a:xfrm>
+            <a:prstGeom prst="rect">
+              <a:avLst/>
+            </a:prstGeom>
+          </p:spPr>
+        </p:pic>
+        <p:pic>
+          <p:nvPicPr>
+            <p:cNvPr id="33" name="그림 32">
+              <a:extLst>
+                <a:ext uri="{FF2B5EF4-FFF2-40B4-BE49-F238E27FC236}">
+                  <a16:creationId xmlns:a16="http://schemas.microsoft.com/office/drawing/2014/main" id="{6E9AF05D-CAC5-43F8-98A7-6332D7155804}"/>
+                </a:ext>
+              </a:extLst>
+            </p:cNvPr>
+            <p:cNvPicPr>
+              <a:picLocks noChangeAspect="1"/>
+            </p:cNvPicPr>
+            <p:nvPr/>
+          </p:nvPicPr>
+          <p:blipFill rotWithShape="1">
+            <a:blip r:embed="rId5"/>
+            <a:srcRect l="24587" t="29483" r="41933" b="13055"/>
+            <a:stretch/>
+          </p:blipFill>
+          <p:spPr>
+            <a:xfrm>
+              <a:off x="8196130" y="1490425"/>
+              <a:ext cx="561235" cy="541837"/>
+            </a:xfrm>
+            <a:prstGeom prst="rect">
+              <a:avLst/>
+            </a:prstGeom>
+          </p:spPr>
+        </p:pic>
+        <p:sp>
+          <p:nvSpPr>
+            <p:cNvPr id="34" name="TextBox 33">
+              <a:extLst>
+                <a:ext uri="{FF2B5EF4-FFF2-40B4-BE49-F238E27FC236}">
+                  <a16:creationId xmlns:a16="http://schemas.microsoft.com/office/drawing/2014/main" id="{A77A2435-6A1A-4DF3-A0AD-7753057E06C0}"/>
+                </a:ext>
+              </a:extLst>
+            </p:cNvPr>
+            <p:cNvSpPr txBox="1"/>
+            <p:nvPr/>
+          </p:nvSpPr>
+          <p:spPr>
+            <a:xfrm>
+              <a:off x="4477686" y="2117341"/>
+              <a:ext cx="1034257" cy="276999"/>
+            </a:xfrm>
+            <a:prstGeom prst="rect">
+              <a:avLst/>
+            </a:prstGeom>
+            <a:noFill/>
+          </p:spPr>
+          <p:txBody>
+            <a:bodyPr wrap="none" rtlCol="0">
+              <a:spAutoFit/>
+            </a:bodyPr>
+            <a:lstStyle/>
+            <a:p>
+              <a:r>
+                <a:rPr lang="ko-KR" altLang="en-US" sz="1200" dirty="0">
+                  <a:latin typeface="경기천년제목 Light" panose="02020403020101020101" pitchFamily="18" charset="-127"/>
+                  <a:ea typeface="경기천년제목 Light" panose="02020403020101020101" pitchFamily="18" charset="-127"/>
+                </a:rPr>
+                <a:t>전국</a:t>
+              </a:r>
+              <a:r>
+                <a:rPr lang="en-US" altLang="ko-KR" sz="1200" dirty="0">
+                  <a:latin typeface="경기천년제목 Light" panose="02020403020101020101" pitchFamily="18" charset="-127"/>
+                  <a:ea typeface="경기천년제목 Light" panose="02020403020101020101" pitchFamily="18" charset="-127"/>
+                </a:rPr>
+                <a:t> </a:t>
+              </a:r>
+              <a:r>
+                <a:rPr lang="ko-KR" altLang="en-US" sz="1200" dirty="0">
+                  <a:latin typeface="경기천년제목 Light" panose="02020403020101020101" pitchFamily="18" charset="-127"/>
+                  <a:ea typeface="경기천년제목 Light" panose="02020403020101020101" pitchFamily="18" charset="-127"/>
+                </a:rPr>
+                <a:t>청년 인구</a:t>
+              </a:r>
+            </a:p>
+          </p:txBody>
+        </p:sp>
+        <p:sp>
+          <p:nvSpPr>
+            <p:cNvPr id="35" name="TextBox 34">
+              <a:extLst>
+                <a:ext uri="{FF2B5EF4-FFF2-40B4-BE49-F238E27FC236}">
+                  <a16:creationId xmlns:a16="http://schemas.microsoft.com/office/drawing/2014/main" id="{2B10E26B-6983-4DB2-9A28-C976E1C325C4}"/>
+                </a:ext>
+              </a:extLst>
+            </p:cNvPr>
+            <p:cNvSpPr txBox="1"/>
+            <p:nvPr/>
+          </p:nvSpPr>
+          <p:spPr>
+            <a:xfrm>
+              <a:off x="6558477" y="2140360"/>
+              <a:ext cx="1292341" cy="276999"/>
+            </a:xfrm>
+            <a:prstGeom prst="rect">
+              <a:avLst/>
+            </a:prstGeom>
+            <a:noFill/>
+          </p:spPr>
+          <p:txBody>
+            <a:bodyPr wrap="none" rtlCol="0">
+              <a:spAutoFit/>
+            </a:bodyPr>
+            <a:lstStyle/>
+            <a:p>
+              <a:r>
+                <a:rPr lang="ko-KR" altLang="en-US" sz="1200" dirty="0">
+                  <a:latin typeface="경기천년제목 Light" panose="02020403020101020101" pitchFamily="18" charset="-127"/>
+                  <a:ea typeface="경기천년제목 Light" panose="02020403020101020101" pitchFamily="18" charset="-127"/>
+                </a:rPr>
+                <a:t>전국</a:t>
+              </a:r>
+              <a:r>
+                <a:rPr lang="en-US" altLang="ko-KR" sz="1200" dirty="0">
+                  <a:latin typeface="경기천년제목 Light" panose="02020403020101020101" pitchFamily="18" charset="-127"/>
+                  <a:ea typeface="경기천년제목 Light" panose="02020403020101020101" pitchFamily="18" charset="-127"/>
+                </a:rPr>
+                <a:t> </a:t>
+              </a:r>
+              <a:r>
+                <a:rPr lang="ko-KR" altLang="en-US" sz="1200" dirty="0">
+                  <a:latin typeface="경기천년제목 Light" panose="02020403020101020101" pitchFamily="18" charset="-127"/>
+                  <a:ea typeface="경기천년제목 Light" panose="02020403020101020101" pitchFamily="18" charset="-127"/>
+                </a:rPr>
+                <a:t>청년 신설기업</a:t>
+              </a:r>
+            </a:p>
+          </p:txBody>
+        </p:sp>
+        <p:sp>
+          <p:nvSpPr>
+            <p:cNvPr id="36" name="이등변 삼각형 35">
+              <a:extLst>
+                <a:ext uri="{FF2B5EF4-FFF2-40B4-BE49-F238E27FC236}">
+                  <a16:creationId xmlns:a16="http://schemas.microsoft.com/office/drawing/2014/main" id="{3C262B70-A7B6-4ADB-AE91-771348119596}"/>
+                </a:ext>
+              </a:extLst>
+            </p:cNvPr>
+            <p:cNvSpPr/>
+            <p:nvPr/>
+          </p:nvSpPr>
+          <p:spPr>
+            <a:xfrm>
+              <a:off x="5533321" y="2196556"/>
+              <a:ext cx="120346" cy="103747"/>
+            </a:xfrm>
+            <a:prstGeom prst="triangle">
+              <a:avLst/>
+            </a:prstGeom>
+            <a:solidFill>
+              <a:srgbClr val="CB453E"/>
+            </a:solidFill>
+            <a:ln>
+              <a:solidFill>
+                <a:srgbClr val="FF0000"/>
+              </a:solidFill>
+            </a:ln>
+          </p:spPr>
+          <p:style>
+            <a:lnRef idx="2">
+              <a:schemeClr val="accent1">
+                <a:shade val="50000"/>
+              </a:schemeClr>
+            </a:lnRef>
+            <a:fillRef idx="1">
+              <a:schemeClr val="accent1"/>
+            </a:fillRef>
+            <a:effectRef idx="0">
+              <a:schemeClr val="accent1"/>
+            </a:effectRef>
+            <a:fontRef idx="minor">
+              <a:schemeClr val="lt1"/>
+            </a:fontRef>
+          </p:style>
+          <p:txBody>
+            <a:bodyPr rtlCol="0" anchor="ctr"/>
+            <a:lstStyle/>
+            <a:p>
+              <a:pPr algn="ctr"/>
+              <a:endParaRPr lang="ko-KR" altLang="en-US"/>
+            </a:p>
+          </p:txBody>
+        </p:sp>
+        <p:sp>
+          <p:nvSpPr>
+            <p:cNvPr id="37" name="이등변 삼각형 36">
+              <a:extLst>
+                <a:ext uri="{FF2B5EF4-FFF2-40B4-BE49-F238E27FC236}">
+                  <a16:creationId xmlns:a16="http://schemas.microsoft.com/office/drawing/2014/main" id="{7AFE06C4-1EC6-44AA-9233-87DBDC0EFFAC}"/>
+                </a:ext>
+              </a:extLst>
+            </p:cNvPr>
+            <p:cNvSpPr/>
+            <p:nvPr/>
+          </p:nvSpPr>
+          <p:spPr>
+            <a:xfrm>
+              <a:off x="8075784" y="2201870"/>
+              <a:ext cx="120346" cy="103747"/>
+            </a:xfrm>
+            <a:prstGeom prst="triangle">
+              <a:avLst/>
+            </a:prstGeom>
+            <a:solidFill>
+              <a:srgbClr val="CB453E"/>
+            </a:solidFill>
+            <a:ln>
+              <a:solidFill>
+                <a:srgbClr val="FF0000"/>
+              </a:solidFill>
+            </a:ln>
+          </p:spPr>
+          <p:style>
+            <a:lnRef idx="2">
+              <a:schemeClr val="accent1">
+                <a:shade val="50000"/>
+              </a:schemeClr>
+            </a:lnRef>
+            <a:fillRef idx="1">
+              <a:schemeClr val="accent1"/>
+            </a:fillRef>
+            <a:effectRef idx="0">
+              <a:schemeClr val="accent1"/>
+            </a:effectRef>
+            <a:fontRef idx="minor">
+              <a:schemeClr val="lt1"/>
+            </a:fontRef>
+          </p:style>
+          <p:txBody>
+            <a:bodyPr rtlCol="0" anchor="ctr"/>
+            <a:lstStyle/>
+            <a:p>
+              <a:pPr algn="ctr"/>
+              <a:endParaRPr lang="ko-KR" altLang="en-US"/>
+            </a:p>
+          </p:txBody>
+        </p:sp>
+      </p:grpSp>
     </p:spTree>
     <p:extLst>
       <p:ext uri="{BB962C8B-B14F-4D97-AF65-F5344CB8AC3E}">
@@ -13049,7 +13054,7 @@
                 <a:latin typeface="경기천년제목 Light" panose="02020403020101020101" pitchFamily="18" charset="-127"/>
                 <a:ea typeface="경기천년제목 Light" panose="02020403020101020101" pitchFamily="18" charset="-127"/>
               </a:rPr>
-              <a:t>시도별 청년 기업당 연 매출액 평균</a:t>
+              <a:t>시도별 청년 기업 연 매출액 평균</a:t>
             </a:r>
           </a:p>
           <a:p>
@@ -13096,12 +13101,154 @@
           </a:prstGeom>
         </p:spPr>
       </p:pic>
+      <p:grpSp>
+        <p:nvGrpSpPr>
+          <p:cNvPr id="12" name="그룹 11">
+            <a:extLst>
+              <a:ext uri="{FF2B5EF4-FFF2-40B4-BE49-F238E27FC236}">
+                <a16:creationId xmlns:a16="http://schemas.microsoft.com/office/drawing/2014/main" id="{1E989191-86DC-4D71-BAFC-30B7DC8F6C73}"/>
+              </a:ext>
+            </a:extLst>
+          </p:cNvPr>
+          <p:cNvGrpSpPr/>
+          <p:nvPr/>
+        </p:nvGrpSpPr>
+        <p:grpSpPr>
+          <a:xfrm>
+            <a:off x="9091934" y="2541865"/>
+            <a:ext cx="3834130" cy="1477328"/>
+            <a:chOff x="8967138" y="2292906"/>
+            <a:chExt cx="3834130" cy="1477328"/>
+          </a:xfrm>
+        </p:grpSpPr>
+        <p:sp>
+          <p:nvSpPr>
+            <p:cNvPr id="20" name="TextBox 19">
+              <a:extLst>
+                <a:ext uri="{FF2B5EF4-FFF2-40B4-BE49-F238E27FC236}">
+                  <a16:creationId xmlns:a16="http://schemas.microsoft.com/office/drawing/2014/main" id="{4414B39B-D86A-4D6D-93D8-F8C84936BC29}"/>
+                </a:ext>
+              </a:extLst>
+            </p:cNvPr>
+            <p:cNvSpPr txBox="1"/>
+            <p:nvPr/>
+          </p:nvSpPr>
+          <p:spPr>
+            <a:xfrm>
+              <a:off x="8967138" y="2292906"/>
+              <a:ext cx="3834130" cy="1477328"/>
+            </a:xfrm>
+            <a:prstGeom prst="rect">
+              <a:avLst/>
+            </a:prstGeom>
+            <a:noFill/>
+          </p:spPr>
+          <p:txBody>
+            <a:bodyPr wrap="square" rtlCol="0">
+              <a:spAutoFit/>
+            </a:bodyPr>
+            <a:lstStyle/>
+            <a:p>
+              <a:r>
+                <a:rPr lang="ko-KR" altLang="en-US" dirty="0">
+                  <a:latin typeface="경기천년제목 Light" panose="02020403020101020101" pitchFamily="18" charset="-127"/>
+                  <a:ea typeface="경기천년제목 Light" panose="02020403020101020101" pitchFamily="18" charset="-127"/>
+                </a:rPr>
+                <a:t>  지역 전체 청년기업 총 매출액</a:t>
+              </a:r>
+              <a:endParaRPr lang="en-US" altLang="ko-KR" dirty="0">
+                <a:latin typeface="경기천년제목 Light" panose="02020403020101020101" pitchFamily="18" charset="-127"/>
+                <a:ea typeface="경기천년제목 Light" panose="02020403020101020101" pitchFamily="18" charset="-127"/>
+              </a:endParaRPr>
+            </a:p>
+            <a:p>
+              <a:endParaRPr lang="en-US" altLang="ko-KR" dirty="0">
+                <a:latin typeface="경기천년제목 Light" panose="02020403020101020101" pitchFamily="18" charset="-127"/>
+                <a:ea typeface="경기천년제목 Light" panose="02020403020101020101" pitchFamily="18" charset="-127"/>
+              </a:endParaRPr>
+            </a:p>
+            <a:p>
+              <a:r>
+                <a:rPr lang="en-US" altLang="ko-KR" dirty="0">
+                  <a:latin typeface="경기천년제목 Light" panose="02020403020101020101" pitchFamily="18" charset="-127"/>
+                  <a:ea typeface="경기천년제목 Light" panose="02020403020101020101" pitchFamily="18" charset="-127"/>
+                </a:rPr>
+                <a:t>       </a:t>
+              </a:r>
+              <a:r>
+                <a:rPr lang="ko-KR" altLang="en-US" dirty="0">
+                  <a:latin typeface="경기천년제목 Light" panose="02020403020101020101" pitchFamily="18" charset="-127"/>
+                  <a:ea typeface="경기천년제목 Light" panose="02020403020101020101" pitchFamily="18" charset="-127"/>
+                </a:rPr>
+                <a:t>지역 전체 청년기업 수</a:t>
+              </a:r>
+              <a:endParaRPr lang="en-US" altLang="ko-KR" dirty="0">
+                <a:latin typeface="경기천년제목 Light" panose="02020403020101020101" pitchFamily="18" charset="-127"/>
+                <a:ea typeface="경기천년제목 Light" panose="02020403020101020101" pitchFamily="18" charset="-127"/>
+              </a:endParaRPr>
+            </a:p>
+            <a:p>
+              <a:endParaRPr lang="en-US" altLang="ko-KR" dirty="0">
+                <a:latin typeface="경기천년제목 Light" panose="02020403020101020101" pitchFamily="18" charset="-127"/>
+                <a:ea typeface="경기천년제목 Light" panose="02020403020101020101" pitchFamily="18" charset="-127"/>
+              </a:endParaRPr>
+            </a:p>
+            <a:p>
+              <a:endParaRPr lang="en-US" altLang="ko-KR" dirty="0">
+                <a:latin typeface="경기천년제목 Light" panose="02020403020101020101" pitchFamily="18" charset="-127"/>
+                <a:ea typeface="경기천년제목 Light" panose="02020403020101020101" pitchFamily="18" charset="-127"/>
+              </a:endParaRPr>
+            </a:p>
+          </p:txBody>
+        </p:sp>
+        <p:cxnSp>
+          <p:nvCxnSpPr>
+            <p:cNvPr id="11" name="직선 연결선 10">
+              <a:extLst>
+                <a:ext uri="{FF2B5EF4-FFF2-40B4-BE49-F238E27FC236}">
+                  <a16:creationId xmlns:a16="http://schemas.microsoft.com/office/drawing/2014/main" id="{EEE16AA3-C464-4B47-B084-80D5D331437E}"/>
+                </a:ext>
+              </a:extLst>
+            </p:cNvPr>
+            <p:cNvCxnSpPr/>
+            <p:nvPr/>
+          </p:nvCxnSpPr>
+          <p:spPr>
+            <a:xfrm>
+              <a:off x="8967138" y="2762054"/>
+              <a:ext cx="2899305" cy="0"/>
+            </a:xfrm>
+            <a:prstGeom prst="line">
+              <a:avLst/>
+            </a:prstGeom>
+            <a:ln>
+              <a:solidFill>
+                <a:schemeClr val="tx1"/>
+              </a:solidFill>
+            </a:ln>
+          </p:spPr>
+          <p:style>
+            <a:lnRef idx="1">
+              <a:schemeClr val="accent1"/>
+            </a:lnRef>
+            <a:fillRef idx="0">
+              <a:schemeClr val="accent1"/>
+            </a:fillRef>
+            <a:effectRef idx="0">
+              <a:schemeClr val="accent1"/>
+            </a:effectRef>
+            <a:fontRef idx="minor">
+              <a:schemeClr val="tx1"/>
+            </a:fontRef>
+          </p:style>
+        </p:cxnSp>
+      </p:grpSp>
       <p:sp>
         <p:nvSpPr>
-          <p:cNvPr id="5" name="TextBox 4">
+          <p:cNvPr id="13" name="TextBox 12">
             <a:extLst>
               <a:ext uri="{FF2B5EF4-FFF2-40B4-BE49-F238E27FC236}">
-                <a16:creationId xmlns:a16="http://schemas.microsoft.com/office/drawing/2014/main" id="{998FFC41-D02D-49BC-8C5C-E823FCD94F88}"/>
+                <a16:creationId xmlns:a16="http://schemas.microsoft.com/office/drawing/2014/main" id="{6C3C64A2-E0C9-47CA-88B0-066894670807}"/>
               </a:ext>
             </a:extLst>
           </p:cNvPr>
@@ -13110,8 +13257,8 @@
         </p:nvSpPr>
         <p:spPr>
           <a:xfrm>
-            <a:off x="8898903" y="2762054"/>
-            <a:ext cx="1635384" cy="923330"/>
+            <a:off x="8272423" y="2808544"/>
+            <a:ext cx="806631" cy="369332"/>
           </a:xfrm>
           <a:prstGeom prst="rect">
             <a:avLst/>
@@ -13125,19 +13272,23 @@
           <a:lstStyle/>
           <a:p>
             <a:r>
-              <a:rPr lang="ko-KR" altLang="en-US" dirty="0"/>
-              <a:t>사용 데이터 </a:t>
+              <a:rPr lang="ko-KR" altLang="en-US" dirty="0">
+                <a:latin typeface="경기천년제목 Light" panose="02020403020101020101" pitchFamily="18" charset="-127"/>
+                <a:ea typeface="경기천년제목 Light" panose="02020403020101020101" pitchFamily="18" charset="-127"/>
+              </a:rPr>
+              <a:t>평균 </a:t>
             </a:r>
             <a:r>
-              <a:rPr lang="en-US" altLang="ko-KR" dirty="0"/>
-              <a:t>: </a:t>
+              <a:rPr lang="en-US" altLang="ko-KR" dirty="0">
+                <a:latin typeface="경기천년제목 Light" panose="02020403020101020101" pitchFamily="18" charset="-127"/>
+                <a:ea typeface="경기천년제목 Light" panose="02020403020101020101" pitchFamily="18" charset="-127"/>
+              </a:rPr>
+              <a:t>= </a:t>
             </a:r>
-          </a:p>
-          <a:p>
-            <a:endParaRPr lang="en-US" altLang="ko-KR" dirty="0"/>
-          </a:p>
-          <a:p>
-            <a:endParaRPr lang="ko-KR" altLang="en-US" dirty="0"/>
+            <a:endParaRPr lang="ko-KR" altLang="en-US" dirty="0">
+              <a:latin typeface="경기천년제목 Light" panose="02020403020101020101" pitchFamily="18" charset="-127"/>
+              <a:ea typeface="경기천년제목 Light" panose="02020403020101020101" pitchFamily="18" charset="-127"/>
+            </a:endParaRPr>
           </a:p>
         </p:txBody>
       </p:sp>
@@ -14707,8 +14858,8 @@
         </p:nvSpPr>
         <p:spPr>
           <a:xfrm>
-            <a:off x="9008378" y="3390530"/>
-            <a:ext cx="3005282" cy="2308324"/>
+            <a:off x="8895256" y="3409894"/>
+            <a:ext cx="4085453" cy="2031325"/>
           </a:xfrm>
           <a:prstGeom prst="rect">
             <a:avLst/>
@@ -14721,68 +14872,96 @@
           </a:bodyPr>
           <a:lstStyle/>
           <a:p>
-            <a:endParaRPr lang="en-US" altLang="ko-KR" dirty="0"/>
+            <a:endParaRPr lang="en-US" altLang="ko-KR" dirty="0">
+              <a:latin typeface="경기천년제목 Light" panose="02020403020101020101" pitchFamily="18" charset="-127"/>
+              <a:ea typeface="경기천년제목 Light" panose="02020403020101020101" pitchFamily="18" charset="-127"/>
+            </a:endParaRPr>
           </a:p>
           <a:p>
             <a:r>
-              <a:rPr lang="ko-KR" altLang="en-US" dirty="0"/>
+              <a:rPr lang="ko-KR" altLang="en-US" dirty="0">
+                <a:latin typeface="경기천년제목 Light" panose="02020403020101020101" pitchFamily="18" charset="-127"/>
+                <a:ea typeface="경기천년제목 Light" panose="02020403020101020101" pitchFamily="18" charset="-127"/>
+              </a:rPr>
               <a:t>증가율 </a:t>
             </a:r>
             <a:r>
-              <a:rPr lang="en-US" altLang="ko-KR" dirty="0"/>
+              <a:rPr lang="en-US" altLang="ko-KR" dirty="0">
+                <a:latin typeface="경기천년제목 Light" panose="02020403020101020101" pitchFamily="18" charset="-127"/>
+                <a:ea typeface="경기천년제목 Light" panose="02020403020101020101" pitchFamily="18" charset="-127"/>
+              </a:rPr>
               <a:t>= </a:t>
             </a:r>
+          </a:p>
+          <a:p>
             <a:r>
-              <a:rPr lang="ko-KR" altLang="en-US" dirty="0"/>
-              <a:t>작년 </a:t>
+              <a:rPr lang="en-US" altLang="ko-KR" dirty="0">
+                <a:latin typeface="경기천년제목 Light" panose="02020403020101020101" pitchFamily="18" charset="-127"/>
+                <a:ea typeface="경기천년제목 Light" panose="02020403020101020101" pitchFamily="18" charset="-127"/>
+              </a:rPr>
+              <a:t>(</a:t>
             </a:r>
             <a:r>
-              <a:rPr lang="ko-KR" altLang="en-US" dirty="0" err="1"/>
+              <a:rPr lang="ko-KR" altLang="en-US" dirty="0">
+                <a:latin typeface="경기천년제목 Light" panose="02020403020101020101" pitchFamily="18" charset="-127"/>
+                <a:ea typeface="경기천년제목 Light" panose="02020403020101020101" pitchFamily="18" charset="-127"/>
+              </a:rPr>
+              <a:t>증가 </a:t>
+            </a:r>
+            <a:r>
+              <a:rPr lang="ko-KR" altLang="en-US" dirty="0" err="1">
+                <a:latin typeface="경기천년제목 Light" panose="02020403020101020101" pitchFamily="18" charset="-127"/>
+                <a:ea typeface="경기천년제목 Light" panose="02020403020101020101" pitchFamily="18" charset="-127"/>
+              </a:rPr>
+              <a:t>기업수</a:t>
+            </a:r>
+            <a:r>
+              <a:rPr lang="en-US" altLang="ko-KR" dirty="0">
+                <a:latin typeface="경기천년제목 Light" panose="02020403020101020101" pitchFamily="18" charset="-127"/>
+                <a:ea typeface="경기천년제목 Light" panose="02020403020101020101" pitchFamily="18" charset="-127"/>
+              </a:rPr>
+              <a:t>/</a:t>
+            </a:r>
+            <a:r>
+              <a:rPr lang="ko-KR" altLang="en-US" dirty="0">
+                <a:latin typeface="경기천년제목 Light" panose="02020403020101020101" pitchFamily="18" charset="-127"/>
+                <a:ea typeface="경기천년제목 Light" panose="02020403020101020101" pitchFamily="18" charset="-127"/>
+              </a:rPr>
+              <a:t> 작년 </a:t>
+            </a:r>
+            <a:r>
+              <a:rPr lang="ko-KR" altLang="en-US" dirty="0" err="1">
+                <a:latin typeface="경기천년제목 Light" panose="02020403020101020101" pitchFamily="18" charset="-127"/>
+                <a:ea typeface="경기천년제목 Light" panose="02020403020101020101" pitchFamily="18" charset="-127"/>
+              </a:rPr>
               <a:t>신설기업수</a:t>
             </a:r>
             <a:r>
-              <a:rPr lang="ko-KR" altLang="en-US" dirty="0"/>
-              <a:t> </a:t>
+              <a:rPr lang="en-US" altLang="ko-KR" dirty="0">
+                <a:latin typeface="경기천년제목 Light" panose="02020403020101020101" pitchFamily="18" charset="-127"/>
+                <a:ea typeface="경기천년제목 Light" panose="02020403020101020101" pitchFamily="18" charset="-127"/>
+              </a:rPr>
+              <a:t>) * 100</a:t>
             </a:r>
-            <a:r>
-              <a:rPr lang="en-US" altLang="ko-KR" dirty="0"/>
-              <a:t>– </a:t>
-            </a:r>
-            <a:r>
-              <a:rPr lang="ko-KR" altLang="en-US" dirty="0"/>
-              <a:t>당해 </a:t>
-            </a:r>
-            <a:r>
-              <a:rPr lang="ko-KR" altLang="en-US" dirty="0" err="1"/>
-              <a:t>신설기업수</a:t>
-            </a:r>
-            <a:r>
-              <a:rPr lang="ko-KR" altLang="en-US" dirty="0"/>
-              <a:t> </a:t>
-            </a:r>
-            <a:r>
-              <a:rPr lang="en-US" altLang="ko-KR" dirty="0"/>
-              <a:t>/</a:t>
-            </a:r>
-            <a:r>
-              <a:rPr lang="ko-KR" altLang="en-US" dirty="0"/>
-              <a:t> 작년 </a:t>
-            </a:r>
-            <a:r>
-              <a:rPr lang="ko-KR" altLang="en-US" dirty="0" err="1"/>
-              <a:t>신설기업수</a:t>
-            </a:r>
-            <a:endParaRPr lang="en-US" altLang="ko-KR" dirty="0"/>
           </a:p>
           <a:p>
-            <a:endParaRPr lang="en-US" altLang="ko-KR" dirty="0"/>
+            <a:endParaRPr lang="en-US" altLang="ko-KR" dirty="0">
+              <a:latin typeface="경기천년제목 Light" panose="02020403020101020101" pitchFamily="18" charset="-127"/>
+              <a:ea typeface="경기천년제목 Light" panose="02020403020101020101" pitchFamily="18" charset="-127"/>
+            </a:endParaRPr>
           </a:p>
           <a:p>
             <a:r>
-              <a:rPr lang="ko-KR" altLang="en-US" dirty="0"/>
+              <a:rPr lang="ko-KR" altLang="en-US" dirty="0">
+                <a:latin typeface="경기천년제목 Light" panose="02020403020101020101" pitchFamily="18" charset="-127"/>
+                <a:ea typeface="경기천년제목 Light" panose="02020403020101020101" pitchFamily="18" charset="-127"/>
+              </a:rPr>
               <a:t>트렌드 또는 이슈 반영</a:t>
             </a:r>
-            <a:endParaRPr lang="en-US" altLang="ko-KR" dirty="0"/>
+            <a:endParaRPr lang="en-US" altLang="ko-KR" dirty="0">
+              <a:latin typeface="경기천년제목 Light" panose="02020403020101020101" pitchFamily="18" charset="-127"/>
+              <a:ea typeface="경기천년제목 Light" panose="02020403020101020101" pitchFamily="18" charset="-127"/>
+            </a:endParaRPr>
           </a:p>
           <a:p>
             <a:endParaRPr lang="en-US" altLang="ko-KR" dirty="0"/>
@@ -15960,14 +16139,28 @@
                 <a:latin typeface="경기천년제목 Light" panose="02020403020101020101" pitchFamily="18" charset="-127"/>
                 <a:ea typeface="경기천년제목 Light" panose="02020403020101020101" pitchFamily="18" charset="-127"/>
               </a:rPr>
-              <a:t>(1) </a:t>
+              <a:t>(2-1)</a:t>
             </a:r>
             <a:r>
               <a:rPr lang="ko-KR" altLang="en-US" dirty="0">
                 <a:latin typeface="경기천년제목 Light" panose="02020403020101020101" pitchFamily="18" charset="-127"/>
                 <a:ea typeface="경기천년제목 Light" panose="02020403020101020101" pitchFamily="18" charset="-127"/>
               </a:rPr>
-              <a:t>지역</a:t>
+              <a:t> 지역내 청년 기업 </a:t>
+            </a:r>
+            <a:r>
+              <a:rPr lang="en-US" altLang="ko-KR" dirty="0">
+                <a:latin typeface="경기천년제목 Light" panose="02020403020101020101" pitchFamily="18" charset="-127"/>
+                <a:ea typeface="경기천년제목 Light" panose="02020403020101020101" pitchFamily="18" charset="-127"/>
+              </a:rPr>
+              <a:t>EW</a:t>
+            </a:r>
+            <a:r>
+              <a:rPr lang="ko-KR" altLang="en-US" dirty="0">
+                <a:latin typeface="경기천년제목 Light" panose="02020403020101020101" pitchFamily="18" charset="-127"/>
+                <a:ea typeface="경기천년제목 Light" panose="02020403020101020101" pitchFamily="18" charset="-127"/>
+              </a:rPr>
+              <a:t>등급</a:t>
             </a:r>
             <a:r>
               <a:rPr lang="en-US" altLang="ko-KR" dirty="0">
@@ -15981,7 +16174,7 @@
                 <a:latin typeface="경기천년제목 Light" panose="02020403020101020101" pitchFamily="18" charset="-127"/>
                 <a:ea typeface="경기천년제목 Light" panose="02020403020101020101" pitchFamily="18" charset="-127"/>
               </a:rPr>
-              <a:t>신설법인 수</a:t>
+              <a:t>현황</a:t>
             </a:r>
             <a:endParaRPr lang="en-US" altLang="ko-KR" dirty="0">
               <a:latin typeface="경기천년제목 Light" panose="02020403020101020101" pitchFamily="18" charset="-127"/>
@@ -16040,14 +16233,14 @@
           <p:nvPr>
             <p:extLst>
               <p:ext uri="{D42A27DB-BD31-4B8C-83A1-F6EECF244321}">
-                <p14:modId xmlns:p14="http://schemas.microsoft.com/office/powerpoint/2010/main" val="2999799255"/>
+                <p14:modId xmlns:p14="http://schemas.microsoft.com/office/powerpoint/2010/main" val="1369473479"/>
               </p:ext>
             </p:extLst>
           </p:nvPr>
         </p:nvGraphicFramePr>
         <p:xfrm>
-          <a:off x="4217228" y="2092751"/>
-          <a:ext cx="3352496" cy="2721926"/>
+          <a:off x="634175" y="2199392"/>
+          <a:ext cx="4746278" cy="3819298"/>
         </p:xfrm>
         <a:graphic>
           <a:graphicData uri="http://schemas.openxmlformats.org/drawingml/2006/table">
@@ -16056,21 +16249,21 @@
                 <a:tableStyleId>{0E3FDE45-AF77-4B5C-9715-49D594BDF05E}</a:tableStyleId>
               </a:tblPr>
               <a:tblGrid>
-                <a:gridCol w="836823">
+                <a:gridCol w="1184728">
                   <a:extLst>
                     <a:ext uri="{9D8B030D-6E8A-4147-A177-3AD203B41FA5}">
                       <a16:colId xmlns:a16="http://schemas.microsoft.com/office/drawing/2014/main" val="4176209468"/>
                     </a:ext>
                   </a:extLst>
                 </a:gridCol>
-                <a:gridCol w="1150794">
+                <a:gridCol w="1629230">
                   <a:extLst>
                     <a:ext uri="{9D8B030D-6E8A-4147-A177-3AD203B41FA5}">
                       <a16:colId xmlns:a16="http://schemas.microsoft.com/office/drawing/2014/main" val="842513083"/>
                     </a:ext>
                   </a:extLst>
                 </a:gridCol>
-                <a:gridCol w="1364879">
+                <a:gridCol w="1932320">
                   <a:extLst>
                     <a:ext uri="{9D8B030D-6E8A-4147-A177-3AD203B41FA5}">
                       <a16:colId xmlns:a16="http://schemas.microsoft.com/office/drawing/2014/main" val="2576982826"/>
@@ -16078,7 +16271,7 @@
                   </a:extLst>
                 </a:gridCol>
               </a:tblGrid>
-              <a:tr h="425766">
+              <a:tr h="597418">
                 <a:tc>
                   <a:txBody>
                     <a:bodyPr/>
@@ -16086,7 +16279,7 @@
                     <a:p>
                       <a:pPr latinLnBrk="1"/>
                       <a:r>
-                        <a:rPr lang="ko-KR" altLang="en-US" sz="700" b="0" dirty="0">
+                        <a:rPr lang="ko-KR" altLang="en-US" sz="1600" b="0" dirty="0">
                           <a:latin typeface="경기천년제목 Light" panose="02020403020101020101" pitchFamily="18" charset="-127"/>
                           <a:ea typeface="경기천년제목 Light" panose="02020403020101020101" pitchFamily="18" charset="-127"/>
                         </a:rPr>
@@ -16103,7 +16296,7 @@
                     <a:p>
                       <a:pPr latinLnBrk="1"/>
                       <a:r>
-                        <a:rPr lang="ko-KR" altLang="en-US" sz="700" dirty="0">
+                        <a:rPr lang="ko-KR" altLang="en-US" sz="1600" b="0" dirty="0">
                           <a:latin typeface="경기천년제목 Light" panose="02020403020101020101" pitchFamily="18" charset="-127"/>
                           <a:ea typeface="경기천년제목 Light" panose="02020403020101020101" pitchFamily="18" charset="-127"/>
                         </a:rPr>
@@ -16120,7 +16313,7 @@
                     <a:p>
                       <a:pPr latinLnBrk="1"/>
                       <a:r>
-                        <a:rPr lang="ko-KR" altLang="en-US" sz="700" dirty="0">
+                        <a:rPr lang="ko-KR" altLang="en-US" sz="1600" b="0" dirty="0">
                           <a:latin typeface="경기천년제목 Light" panose="02020403020101020101" pitchFamily="18" charset="-127"/>
                           <a:ea typeface="경기천년제목 Light" panose="02020403020101020101" pitchFamily="18" charset="-127"/>
                         </a:rPr>
@@ -16136,7 +16329,7 @@
                   </a:ext>
                 </a:extLst>
               </a:tr>
-              <a:tr h="287020">
+              <a:tr h="402735">
                 <a:tc>
                   <a:txBody>
                     <a:bodyPr/>
@@ -16144,7 +16337,7 @@
                     <a:p>
                       <a:pPr latinLnBrk="1"/>
                       <a:r>
-                        <a:rPr lang="ko-KR" altLang="en-US" sz="700" dirty="0">
+                        <a:rPr lang="ko-KR" altLang="en-US" sz="1600" b="0" dirty="0">
                           <a:latin typeface="경기천년제목 Light" panose="02020403020101020101" pitchFamily="18" charset="-127"/>
                           <a:ea typeface="경기천년제목 Light" panose="02020403020101020101" pitchFamily="18" charset="-127"/>
                         </a:rPr>
@@ -16161,13 +16354,13 @@
                     <a:p>
                       <a:pPr latinLnBrk="1"/>
                       <a:r>
-                        <a:rPr lang="en-US" altLang="ko-KR" sz="700" dirty="0">
+                        <a:rPr lang="en-US" altLang="ko-KR" sz="1600" b="0" dirty="0">
                           <a:latin typeface="경기천년제목 Light" panose="02020403020101020101" pitchFamily="18" charset="-127"/>
                           <a:ea typeface="경기천년제목 Light" panose="02020403020101020101" pitchFamily="18" charset="-127"/>
                         </a:rPr>
-                        <a:t>0.017972</a:t>
+                        <a:t>0.018059</a:t>
                       </a:r>
-                      <a:endParaRPr lang="ko-KR" altLang="en-US" sz="700" dirty="0">
+                      <a:endParaRPr lang="ko-KR" altLang="en-US" sz="1600" b="0" dirty="0">
                         <a:latin typeface="경기천년제목 Light" panose="02020403020101020101" pitchFamily="18" charset="-127"/>
                         <a:ea typeface="경기천년제목 Light" panose="02020403020101020101" pitchFamily="18" charset="-127"/>
                       </a:endParaRPr>
@@ -16182,7 +16375,7 @@
                     <a:p>
                       <a:pPr latinLnBrk="1"/>
                       <a:r>
-                        <a:rPr lang="en-US" altLang="ko-KR" sz="700" dirty="0">
+                        <a:rPr lang="en-US" altLang="ko-KR" sz="1600" b="0" dirty="0">
                           <a:solidFill>
                             <a:schemeClr val="accent1">
                               <a:lumMod val="75000"/>
@@ -16191,9 +16384,9 @@
                           <a:latin typeface="경기천년제목 Light" panose="02020403020101020101" pitchFamily="18" charset="-127"/>
                           <a:ea typeface="경기천년제목 Light" panose="02020403020101020101" pitchFamily="18" charset="-127"/>
                         </a:rPr>
-                        <a:t>-0.002519</a:t>
+                        <a:t>-0.002535</a:t>
                       </a:r>
-                      <a:endParaRPr lang="ko-KR" altLang="en-US" sz="700" dirty="0">
+                      <a:endParaRPr lang="ko-KR" altLang="en-US" sz="1600" b="0" dirty="0">
                         <a:solidFill>
                           <a:schemeClr val="accent1">
                             <a:lumMod val="75000"/>
@@ -16212,7 +16405,7 @@
                   </a:ext>
                 </a:extLst>
               </a:tr>
-              <a:tr h="287020">
+              <a:tr h="402735">
                 <a:tc>
                   <a:txBody>
                     <a:bodyPr/>
@@ -16220,20 +16413,20 @@
                     <a:p>
                       <a:pPr latinLnBrk="1"/>
                       <a:r>
-                        <a:rPr lang="ko-KR" altLang="en-US" sz="700" dirty="0">
+                        <a:rPr lang="ko-KR" altLang="en-US" sz="1600" b="0" dirty="0">
                           <a:latin typeface="경기천년제목 Light" panose="02020403020101020101" pitchFamily="18" charset="-127"/>
                           <a:ea typeface="경기천년제목 Light" panose="02020403020101020101" pitchFamily="18" charset="-127"/>
                         </a:rPr>
                         <a:t>관찰</a:t>
                       </a:r>
                       <a:r>
-                        <a:rPr lang="en-US" altLang="ko-KR" sz="700" dirty="0">
+                        <a:rPr lang="en-US" altLang="ko-KR" sz="1600" b="0" dirty="0">
                           <a:latin typeface="경기천년제목 Light" panose="02020403020101020101" pitchFamily="18" charset="-127"/>
                           <a:ea typeface="경기천년제목 Light" panose="02020403020101020101" pitchFamily="18" charset="-127"/>
                         </a:rPr>
                         <a:t>1</a:t>
                       </a:r>
-                      <a:endParaRPr lang="ko-KR" altLang="en-US" sz="700" dirty="0">
+                      <a:endParaRPr lang="ko-KR" altLang="en-US" sz="1600" b="0" dirty="0">
                         <a:latin typeface="경기천년제목 Light" panose="02020403020101020101" pitchFamily="18" charset="-127"/>
                         <a:ea typeface="경기천년제목 Light" panose="02020403020101020101" pitchFamily="18" charset="-127"/>
                       </a:endParaRPr>
@@ -16248,13 +16441,13 @@
                     <a:p>
                       <a:pPr latinLnBrk="1"/>
                       <a:r>
-                        <a:rPr lang="en-US" altLang="ko-KR" sz="700" dirty="0">
+                        <a:rPr lang="en-US" altLang="ko-KR" sz="1600" b="0" dirty="0">
                           <a:latin typeface="경기천년제목 Light" panose="02020403020101020101" pitchFamily="18" charset="-127"/>
                           <a:ea typeface="경기천년제목 Light" panose="02020403020101020101" pitchFamily="18" charset="-127"/>
                         </a:rPr>
-                        <a:t>0.032615</a:t>
+                        <a:t>0.032773</a:t>
                       </a:r>
-                      <a:endParaRPr lang="ko-KR" altLang="en-US" sz="700" dirty="0">
+                      <a:endParaRPr lang="ko-KR" altLang="en-US" sz="1600" b="0" dirty="0">
                         <a:latin typeface="경기천년제목 Light" panose="02020403020101020101" pitchFamily="18" charset="-127"/>
                         <a:ea typeface="경기천년제목 Light" panose="02020403020101020101" pitchFamily="18" charset="-127"/>
                       </a:endParaRPr>
@@ -16269,7 +16462,7 @@
                     <a:p>
                       <a:pPr latinLnBrk="1"/>
                       <a:r>
-                        <a:rPr lang="en-US" altLang="ko-KR" sz="700" dirty="0">
+                        <a:rPr lang="en-US" altLang="ko-KR" sz="1600" b="0" dirty="0">
                           <a:solidFill>
                             <a:schemeClr val="accent1">
                               <a:lumMod val="75000"/>
@@ -16278,9 +16471,9 @@
                           <a:latin typeface="경기천년제목 Light" panose="02020403020101020101" pitchFamily="18" charset="-127"/>
                           <a:ea typeface="경기천년제목 Light" panose="02020403020101020101" pitchFamily="18" charset="-127"/>
                         </a:rPr>
-                        <a:t>-0.002218</a:t>
+                        <a:t>-0.002235</a:t>
                       </a:r>
-                      <a:endParaRPr lang="ko-KR" altLang="en-US" sz="700" dirty="0">
+                      <a:endParaRPr lang="ko-KR" altLang="en-US" sz="1600" b="0" dirty="0">
                         <a:solidFill>
                           <a:schemeClr val="accent1">
                             <a:lumMod val="75000"/>
@@ -16299,7 +16492,7 @@
                   </a:ext>
                 </a:extLst>
               </a:tr>
-              <a:tr h="287020">
+              <a:tr h="402735">
                 <a:tc>
                   <a:txBody>
                     <a:bodyPr/>
@@ -16307,20 +16500,20 @@
                     <a:p>
                       <a:pPr latinLnBrk="1"/>
                       <a:r>
-                        <a:rPr lang="ko-KR" altLang="en-US" sz="700" dirty="0">
+                        <a:rPr lang="ko-KR" altLang="en-US" sz="1600" b="0" dirty="0">
                           <a:latin typeface="경기천년제목 Light" panose="02020403020101020101" pitchFamily="18" charset="-127"/>
                           <a:ea typeface="경기천년제목 Light" panose="02020403020101020101" pitchFamily="18" charset="-127"/>
                         </a:rPr>
                         <a:t>관찰</a:t>
                       </a:r>
                       <a:r>
-                        <a:rPr lang="en-US" altLang="ko-KR" sz="700" dirty="0">
+                        <a:rPr lang="en-US" altLang="ko-KR" sz="1600" b="0" dirty="0">
                           <a:latin typeface="경기천년제목 Light" panose="02020403020101020101" pitchFamily="18" charset="-127"/>
                           <a:ea typeface="경기천년제목 Light" panose="02020403020101020101" pitchFamily="18" charset="-127"/>
                         </a:rPr>
                         <a:t>2</a:t>
                       </a:r>
-                      <a:endParaRPr lang="ko-KR" altLang="en-US" sz="700" dirty="0">
+                      <a:endParaRPr lang="ko-KR" altLang="en-US" sz="1600" b="0" dirty="0">
                         <a:latin typeface="경기천년제목 Light" panose="02020403020101020101" pitchFamily="18" charset="-127"/>
                         <a:ea typeface="경기천년제목 Light" panose="02020403020101020101" pitchFamily="18" charset="-127"/>
                       </a:endParaRPr>
@@ -16335,11 +16528,11 @@
                     <a:p>
                       <a:pPr latinLnBrk="1"/>
                       <a:r>
-                        <a:rPr lang="en-US" altLang="ko-KR" sz="700" dirty="0">
+                        <a:rPr lang="en-US" altLang="ko-KR" sz="1600" b="0" dirty="0">
                           <a:latin typeface="경기천년제목 Light" panose="02020403020101020101" pitchFamily="18" charset="-127"/>
                           <a:ea typeface="경기천년제목 Light" panose="02020403020101020101" pitchFamily="18" charset="-127"/>
                         </a:rPr>
-                        <a:t>0.064971</a:t>
+                        <a:t>0.065286</a:t>
                       </a:r>
                     </a:p>
                   </a:txBody>
@@ -16352,7 +16545,7 @@
                     <a:p>
                       <a:pPr latinLnBrk="1"/>
                       <a:r>
-                        <a:rPr lang="en-US" altLang="ko-KR" sz="700" dirty="0">
+                        <a:rPr lang="en-US" altLang="ko-KR" sz="1600" b="0" dirty="0">
                           <a:solidFill>
                             <a:schemeClr val="accent1">
                               <a:lumMod val="75000"/>
@@ -16361,9 +16554,9 @@
                           <a:latin typeface="경기천년제목 Light" panose="02020403020101020101" pitchFamily="18" charset="-127"/>
                           <a:ea typeface="경기천년제목 Light" panose="02020403020101020101" pitchFamily="18" charset="-127"/>
                         </a:rPr>
-                        <a:t>-0.006150</a:t>
+                        <a:t>-0.006148</a:t>
                       </a:r>
-                      <a:endParaRPr lang="ko-KR" altLang="en-US" sz="700" dirty="0">
+                      <a:endParaRPr lang="ko-KR" altLang="en-US" sz="1600" b="0" dirty="0">
                         <a:solidFill>
                           <a:schemeClr val="accent1">
                             <a:lumMod val="75000"/>
@@ -16382,7 +16575,7 @@
                   </a:ext>
                 </a:extLst>
               </a:tr>
-              <a:tr h="287020">
+              <a:tr h="402735">
                 <a:tc>
                   <a:txBody>
                     <a:bodyPr/>
@@ -16390,20 +16583,20 @@
                     <a:p>
                       <a:pPr latinLnBrk="1"/>
                       <a:r>
-                        <a:rPr lang="ko-KR" altLang="en-US" sz="700" dirty="0">
+                        <a:rPr lang="ko-KR" altLang="en-US" sz="1600" b="0" dirty="0">
                           <a:latin typeface="경기천년제목 Light" panose="02020403020101020101" pitchFamily="18" charset="-127"/>
                           <a:ea typeface="경기천년제목 Light" panose="02020403020101020101" pitchFamily="18" charset="-127"/>
                         </a:rPr>
                         <a:t>관찰</a:t>
                       </a:r>
                       <a:r>
-                        <a:rPr lang="en-US" altLang="ko-KR" sz="700" dirty="0">
+                        <a:rPr lang="en-US" altLang="ko-KR" sz="1600" b="0" dirty="0">
                           <a:latin typeface="경기천년제목 Light" panose="02020403020101020101" pitchFamily="18" charset="-127"/>
                           <a:ea typeface="경기천년제목 Light" panose="02020403020101020101" pitchFamily="18" charset="-127"/>
                         </a:rPr>
                         <a:t>3</a:t>
                       </a:r>
-                      <a:endParaRPr lang="ko-KR" altLang="en-US" sz="700" dirty="0">
+                      <a:endParaRPr lang="ko-KR" altLang="en-US" sz="1600" b="0" dirty="0">
                         <a:latin typeface="경기천년제목 Light" panose="02020403020101020101" pitchFamily="18" charset="-127"/>
                         <a:ea typeface="경기천년제목 Light" panose="02020403020101020101" pitchFamily="18" charset="-127"/>
                       </a:endParaRPr>
@@ -16418,13 +16611,13 @@
                     <a:p>
                       <a:pPr latinLnBrk="1"/>
                       <a:r>
-                        <a:rPr lang="en-US" altLang="ko-KR" sz="700" dirty="0">
+                        <a:rPr lang="en-US" altLang="ko-KR" sz="1600" b="0" dirty="0">
                           <a:latin typeface="경기천년제목 Light" panose="02020403020101020101" pitchFamily="18" charset="-127"/>
                           <a:ea typeface="경기천년제목 Light" panose="02020403020101020101" pitchFamily="18" charset="-127"/>
                         </a:rPr>
-                        <a:t>0.018831</a:t>
+                        <a:t>0.018922</a:t>
                       </a:r>
-                      <a:endParaRPr lang="ko-KR" altLang="en-US" sz="700" dirty="0">
+                      <a:endParaRPr lang="ko-KR" altLang="en-US" sz="1600" b="0" dirty="0">
                         <a:latin typeface="경기천년제목 Light" panose="02020403020101020101" pitchFamily="18" charset="-127"/>
                         <a:ea typeface="경기천년제목 Light" panose="02020403020101020101" pitchFamily="18" charset="-127"/>
                       </a:endParaRPr>
@@ -16439,7 +16632,7 @@
                     <a:p>
                       <a:pPr latinLnBrk="1"/>
                       <a:r>
-                        <a:rPr lang="en-US" altLang="ko-KR" sz="700" dirty="0">
+                        <a:rPr lang="en-US" altLang="ko-KR" sz="1600" b="0" dirty="0">
                           <a:solidFill>
                             <a:schemeClr val="accent1">
                               <a:lumMod val="75000"/>
@@ -16448,9 +16641,9 @@
                           <a:latin typeface="경기천년제목 Light" panose="02020403020101020101" pitchFamily="18" charset="-127"/>
                           <a:ea typeface="경기천년제목 Light" panose="02020403020101020101" pitchFamily="18" charset="-127"/>
                         </a:rPr>
-                        <a:t>-0.003686</a:t>
+                        <a:t>-0.003709</a:t>
                       </a:r>
-                      <a:endParaRPr lang="ko-KR" altLang="en-US" sz="700" dirty="0">
+                      <a:endParaRPr lang="ko-KR" altLang="en-US" sz="1600" b="0" dirty="0">
                         <a:solidFill>
                           <a:schemeClr val="accent1">
                             <a:lumMod val="75000"/>
@@ -16469,7 +16662,7 @@
                   </a:ext>
                 </a:extLst>
               </a:tr>
-              <a:tr h="287020">
+              <a:tr h="402735">
                 <a:tc>
                   <a:txBody>
                     <a:bodyPr/>
@@ -16477,7 +16670,7 @@
                     <a:p>
                       <a:pPr latinLnBrk="1"/>
                       <a:r>
-                        <a:rPr lang="ko-KR" altLang="en-US" sz="700" dirty="0">
+                        <a:rPr lang="ko-KR" altLang="en-US" sz="1600" b="0" dirty="0">
                           <a:latin typeface="경기천년제목 Light" panose="02020403020101020101" pitchFamily="18" charset="-127"/>
                           <a:ea typeface="경기천년제목 Light" panose="02020403020101020101" pitchFamily="18" charset="-127"/>
                         </a:rPr>
@@ -16494,13 +16687,13 @@
                     <a:p>
                       <a:pPr latinLnBrk="1"/>
                       <a:r>
-                        <a:rPr lang="en-US" altLang="ko-KR" sz="700" dirty="0">
+                        <a:rPr lang="en-US" altLang="ko-KR" sz="1600" b="0" dirty="0">
                           <a:latin typeface="경기천년제목 Light" panose="02020403020101020101" pitchFamily="18" charset="-127"/>
                           <a:ea typeface="경기천년제목 Light" panose="02020403020101020101" pitchFamily="18" charset="-127"/>
                         </a:rPr>
                         <a:t>0.000163</a:t>
                       </a:r>
-                      <a:endParaRPr lang="ko-KR" altLang="en-US" sz="700" dirty="0">
+                      <a:endParaRPr lang="ko-KR" altLang="en-US" sz="1600" b="0" dirty="0">
                         <a:latin typeface="경기천년제목 Light" panose="02020403020101020101" pitchFamily="18" charset="-127"/>
                         <a:ea typeface="경기천년제목 Light" panose="02020403020101020101" pitchFamily="18" charset="-127"/>
                       </a:endParaRPr>
@@ -16515,7 +16708,7 @@
                     <a:p>
                       <a:pPr latinLnBrk="1"/>
                       <a:r>
-                        <a:rPr lang="en-US" altLang="ko-KR" sz="700" dirty="0">
+                        <a:rPr lang="en-US" altLang="ko-KR" sz="1600" b="0" dirty="0">
                           <a:solidFill>
                             <a:schemeClr val="accent1">
                               <a:lumMod val="75000"/>
@@ -16524,9 +16717,9 @@
                           <a:latin typeface="경기천년제목 Light" panose="02020403020101020101" pitchFamily="18" charset="-127"/>
                           <a:ea typeface="경기천년제목 Light" panose="02020403020101020101" pitchFamily="18" charset="-127"/>
                         </a:rPr>
-                        <a:t>-0.000048</a:t>
+                        <a:t>-0.000049</a:t>
                       </a:r>
-                      <a:endParaRPr lang="ko-KR" altLang="en-US" sz="700" dirty="0">
+                      <a:endParaRPr lang="ko-KR" altLang="en-US" sz="1600" b="0" dirty="0">
                         <a:solidFill>
                           <a:schemeClr val="accent1">
                             <a:lumMod val="75000"/>
@@ -16545,7 +16738,7 @@
                   </a:ext>
                 </a:extLst>
               </a:tr>
-              <a:tr h="287020">
+              <a:tr h="402735">
                 <a:tc>
                   <a:txBody>
                     <a:bodyPr/>
@@ -16553,7 +16746,7 @@
                     <a:p>
                       <a:pPr latinLnBrk="1"/>
                       <a:r>
-                        <a:rPr lang="ko-KR" altLang="en-US" sz="700" dirty="0">
+                        <a:rPr lang="ko-KR" altLang="en-US" sz="1600" b="0" dirty="0">
                           <a:latin typeface="경기천년제목 Light" panose="02020403020101020101" pitchFamily="18" charset="-127"/>
                           <a:ea typeface="경기천년제목 Light" panose="02020403020101020101" pitchFamily="18" charset="-127"/>
                         </a:rPr>
@@ -16570,13 +16763,13 @@
                     <a:p>
                       <a:pPr latinLnBrk="1"/>
                       <a:r>
-                        <a:rPr lang="en-US" altLang="ko-KR" sz="700" dirty="0">
+                        <a:rPr lang="en-US" altLang="ko-KR" sz="1600" b="0" dirty="0">
                           <a:latin typeface="경기천년제목 Light" panose="02020403020101020101" pitchFamily="18" charset="-127"/>
                           <a:ea typeface="경기천년제목 Light" panose="02020403020101020101" pitchFamily="18" charset="-127"/>
                         </a:rPr>
-                        <a:t>0.720661</a:t>
+                        <a:t>0.72416</a:t>
                       </a:r>
-                      <a:endParaRPr lang="ko-KR" altLang="en-US" sz="700" dirty="0">
+                      <a:endParaRPr lang="ko-KR" altLang="en-US" sz="1600" b="0" dirty="0">
                         <a:latin typeface="경기천년제목 Light" panose="02020403020101020101" pitchFamily="18" charset="-127"/>
                         <a:ea typeface="경기천년제목 Light" panose="02020403020101020101" pitchFamily="18" charset="-127"/>
                       </a:endParaRPr>
@@ -16591,7 +16784,7 @@
                     <a:p>
                       <a:pPr latinLnBrk="1"/>
                       <a:r>
-                        <a:rPr lang="en-US" altLang="ko-KR" sz="700" dirty="0">
+                        <a:rPr lang="en-US" altLang="ko-KR" sz="1600" b="0" dirty="0">
                           <a:solidFill>
                             <a:schemeClr val="accent1">
                               <a:lumMod val="75000"/>
@@ -16600,9 +16793,9 @@
                           <a:latin typeface="경기천년제목 Light" panose="02020403020101020101" pitchFamily="18" charset="-127"/>
                           <a:ea typeface="경기천년제목 Light" panose="02020403020101020101" pitchFamily="18" charset="-127"/>
                         </a:rPr>
-                        <a:t>-0.003232</a:t>
+                        <a:t>-0.003381</a:t>
                       </a:r>
-                      <a:endParaRPr lang="ko-KR" altLang="en-US" sz="700" dirty="0">
+                      <a:endParaRPr lang="ko-KR" altLang="en-US" sz="1600" b="0" dirty="0">
                         <a:solidFill>
                           <a:schemeClr val="accent1">
                             <a:lumMod val="75000"/>
@@ -16621,7 +16814,7 @@
                   </a:ext>
                 </a:extLst>
               </a:tr>
-              <a:tr h="287020">
+              <a:tr h="402735">
                 <a:tc>
                   <a:txBody>
                     <a:bodyPr/>
@@ -16629,7 +16822,7 @@
                     <a:p>
                       <a:pPr latinLnBrk="1"/>
                       <a:r>
-                        <a:rPr lang="ko-KR" altLang="en-US" sz="700" dirty="0">
+                        <a:rPr lang="ko-KR" altLang="en-US" sz="1600" b="0" dirty="0">
                           <a:latin typeface="경기천년제목 Light" panose="02020403020101020101" pitchFamily="18" charset="-127"/>
                           <a:ea typeface="경기천년제목 Light" panose="02020403020101020101" pitchFamily="18" charset="-127"/>
                         </a:rPr>
@@ -16646,13 +16839,13 @@
                     <a:p>
                       <a:pPr latinLnBrk="1"/>
                       <a:r>
-                        <a:rPr lang="en-US" altLang="ko-KR" sz="700" dirty="0">
+                        <a:rPr lang="en-US" altLang="ko-KR" sz="1600" b="0" dirty="0">
                           <a:latin typeface="경기천년제목 Light" panose="02020403020101020101" pitchFamily="18" charset="-127"/>
                           <a:ea typeface="경기천년제목 Light" panose="02020403020101020101" pitchFamily="18" charset="-127"/>
                         </a:rPr>
-                        <a:t>0.136319</a:t>
+                        <a:t>0.13698</a:t>
                       </a:r>
-                      <a:endParaRPr lang="ko-KR" altLang="en-US" sz="700" dirty="0">
+                      <a:endParaRPr lang="ko-KR" altLang="en-US" sz="1600" b="0" dirty="0">
                         <a:latin typeface="경기천년제목 Light" panose="02020403020101020101" pitchFamily="18" charset="-127"/>
                         <a:ea typeface="경기천년제목 Light" panose="02020403020101020101" pitchFamily="18" charset="-127"/>
                       </a:endParaRPr>
@@ -16667,16 +16860,16 @@
                     <a:p>
                       <a:pPr latinLnBrk="1"/>
                       <a:r>
-                        <a:rPr lang="en-US" altLang="ko-KR" sz="700" dirty="0">
+                        <a:rPr lang="en-US" altLang="ko-KR" sz="1600" b="0" dirty="0">
                           <a:solidFill>
                             <a:srgbClr val="C00000"/>
                           </a:solidFill>
                           <a:latin typeface="경기천년제목 Light" panose="02020403020101020101" pitchFamily="18" charset="-127"/>
                           <a:ea typeface="경기천년제목 Light" panose="02020403020101020101" pitchFamily="18" charset="-127"/>
                         </a:rPr>
-                        <a:t>+0.017071</a:t>
+                        <a:t>+0.017131</a:t>
                       </a:r>
-                      <a:endParaRPr lang="ko-KR" altLang="en-US" sz="700" dirty="0">
+                      <a:endParaRPr lang="ko-KR" altLang="en-US" sz="1600" b="0" dirty="0">
                         <a:solidFill>
                           <a:srgbClr val="C00000"/>
                         </a:solidFill>
@@ -16693,7 +16886,7 @@
                   </a:ext>
                 </a:extLst>
               </a:tr>
-              <a:tr h="287020">
+              <a:tr h="402735">
                 <a:tc>
                   <a:txBody>
                     <a:bodyPr/>
@@ -16701,7 +16894,7 @@
                     <a:p>
                       <a:pPr latinLnBrk="1"/>
                       <a:r>
-                        <a:rPr lang="ko-KR" altLang="en-US" sz="700" dirty="0">
+                        <a:rPr lang="ko-KR" altLang="en-US" sz="1600" b="0" dirty="0">
                           <a:latin typeface="경기천년제목 Light" panose="02020403020101020101" pitchFamily="18" charset="-127"/>
                           <a:ea typeface="경기천년제목 Light" panose="02020403020101020101" pitchFamily="18" charset="-127"/>
                         </a:rPr>
@@ -16718,13 +16911,13 @@
                     <a:p>
                       <a:pPr latinLnBrk="1"/>
                       <a:r>
-                        <a:rPr lang="en-US" altLang="ko-KR" sz="700" dirty="0">
+                        <a:rPr lang="en-US" altLang="ko-KR" sz="1600" b="0" dirty="0">
                           <a:latin typeface="경기천년제목 Light" panose="02020403020101020101" pitchFamily="18" charset="-127"/>
                           <a:ea typeface="경기천년제목 Light" panose="02020403020101020101" pitchFamily="18" charset="-127"/>
                         </a:rPr>
-                        <a:t>0.003638</a:t>
+                        <a:t>0.003656</a:t>
                       </a:r>
-                      <a:endParaRPr lang="ko-KR" altLang="en-US" sz="700" dirty="0">
+                      <a:endParaRPr lang="ko-KR" altLang="en-US" sz="1600" b="0" dirty="0">
                         <a:latin typeface="경기천년제목 Light" panose="02020403020101020101" pitchFamily="18" charset="-127"/>
                         <a:ea typeface="경기천년제목 Light" panose="02020403020101020101" pitchFamily="18" charset="-127"/>
                       </a:endParaRPr>
@@ -16739,16 +16932,16 @@
                     <a:p>
                       <a:pPr latinLnBrk="1"/>
                       <a:r>
-                        <a:rPr lang="en-US" altLang="ko-KR" sz="700" dirty="0">
+                        <a:rPr lang="en-US" altLang="ko-KR" sz="1600" b="0" dirty="0">
                           <a:solidFill>
                             <a:srgbClr val="C00000"/>
                           </a:solidFill>
                           <a:latin typeface="경기천년제목 Light" panose="02020403020101020101" pitchFamily="18" charset="-127"/>
                           <a:ea typeface="경기천년제목 Light" panose="02020403020101020101" pitchFamily="18" charset="-127"/>
                         </a:rPr>
-                        <a:t>+0.000921</a:t>
+                        <a:t>+0.000925</a:t>
                       </a:r>
-                      <a:endParaRPr lang="ko-KR" altLang="en-US" sz="700" dirty="0">
+                      <a:endParaRPr lang="ko-KR" altLang="en-US" sz="1600" b="0" dirty="0">
                         <a:solidFill>
                           <a:srgbClr val="C00000"/>
                         </a:solidFill>
@@ -16769,6 +16962,125 @@
           </a:graphicData>
         </a:graphic>
       </p:graphicFrame>
+      <p:sp>
+        <p:nvSpPr>
+          <p:cNvPr id="6" name="TextBox 5">
+            <a:extLst>
+              <a:ext uri="{FF2B5EF4-FFF2-40B4-BE49-F238E27FC236}">
+                <a16:creationId xmlns:a16="http://schemas.microsoft.com/office/drawing/2014/main" id="{8DD12CC5-32A8-4144-8AA4-3E237ED0F391}"/>
+              </a:ext>
+            </a:extLst>
+          </p:cNvPr>
+          <p:cNvSpPr txBox="1"/>
+          <p:nvPr/>
+        </p:nvSpPr>
+        <p:spPr>
+          <a:xfrm>
+            <a:off x="5844619" y="3433476"/>
+            <a:ext cx="4905510" cy="1200329"/>
+          </a:xfrm>
+          <a:prstGeom prst="rect">
+            <a:avLst/>
+          </a:prstGeom>
+          <a:noFill/>
+        </p:spPr>
+        <p:txBody>
+          <a:bodyPr wrap="none" rtlCol="0">
+            <a:spAutoFit/>
+          </a:bodyPr>
+          <a:lstStyle/>
+          <a:p>
+            <a:r>
+              <a:rPr lang="ko-KR" altLang="en-US" dirty="0"/>
+              <a:t>비율 </a:t>
+            </a:r>
+            <a:r>
+              <a:rPr lang="en-US" altLang="ko-KR" dirty="0"/>
+              <a:t>: </a:t>
+            </a:r>
+            <a:r>
+              <a:rPr lang="ko-KR" altLang="en-US" dirty="0"/>
+              <a:t>해당 등급의 </a:t>
+            </a:r>
+            <a:r>
+              <a:rPr lang="ko-KR" altLang="en-US" dirty="0" err="1"/>
+              <a:t>기업수</a:t>
+            </a:r>
+            <a:r>
+              <a:rPr lang="ko-KR" altLang="en-US" dirty="0"/>
+              <a:t> </a:t>
+            </a:r>
+            <a:r>
+              <a:rPr lang="en-US" altLang="ko-KR" dirty="0"/>
+              <a:t>/ </a:t>
+            </a:r>
+            <a:r>
+              <a:rPr lang="ko-KR" altLang="en-US" dirty="0"/>
+              <a:t>지역 전체 </a:t>
+            </a:r>
+            <a:r>
+              <a:rPr lang="ko-KR" altLang="en-US" dirty="0" err="1"/>
+              <a:t>기업수</a:t>
+            </a:r>
+            <a:endParaRPr lang="en-US" altLang="ko-KR" dirty="0"/>
+          </a:p>
+          <a:p>
+            <a:endParaRPr lang="en-US" altLang="ko-KR" dirty="0"/>
+          </a:p>
+          <a:p>
+            <a:endParaRPr lang="en-US" altLang="ko-KR" dirty="0"/>
+          </a:p>
+          <a:p>
+            <a:r>
+              <a:rPr lang="ko-KR" altLang="en-US" dirty="0"/>
+              <a:t>전년 대비 증가율 </a:t>
+            </a:r>
+            <a:r>
+              <a:rPr lang="en-US" altLang="ko-KR" dirty="0"/>
+              <a:t>:</a:t>
+            </a:r>
+            <a:r>
+              <a:rPr lang="ko-KR" altLang="en-US" dirty="0"/>
+              <a:t> </a:t>
+            </a:r>
+          </a:p>
+        </p:txBody>
+      </p:sp>
+      <p:sp>
+        <p:nvSpPr>
+          <p:cNvPr id="19" name="TextBox 18">
+            <a:extLst>
+              <a:ext uri="{FF2B5EF4-FFF2-40B4-BE49-F238E27FC236}">
+                <a16:creationId xmlns:a16="http://schemas.microsoft.com/office/drawing/2014/main" id="{EB0D3395-B2DB-48F6-8F29-568CE4A330F2}"/>
+              </a:ext>
+            </a:extLst>
+          </p:cNvPr>
+          <p:cNvSpPr txBox="1"/>
+          <p:nvPr/>
+        </p:nvSpPr>
+        <p:spPr>
+          <a:xfrm>
+            <a:off x="6245379" y="4310639"/>
+            <a:ext cx="184731" cy="646331"/>
+          </a:xfrm>
+          <a:prstGeom prst="rect">
+            <a:avLst/>
+          </a:prstGeom>
+          <a:noFill/>
+        </p:spPr>
+        <p:txBody>
+          <a:bodyPr wrap="none" rtlCol="0">
+            <a:spAutoFit/>
+          </a:bodyPr>
+          <a:lstStyle/>
+          <a:p>
+            <a:endParaRPr lang="en-US" altLang="ko-KR" dirty="0"/>
+          </a:p>
+          <a:p>
+            <a:endParaRPr lang="ko-KR" altLang="en-US" dirty="0"/>
+          </a:p>
+        </p:txBody>
+      </p:sp>
     </p:spTree>
     <p:extLst>
       <p:ext uri="{BB962C8B-B14F-4D97-AF65-F5344CB8AC3E}">
@@ -19162,6 +19474,592 @@
         <p:spPr>
           <a:xfrm>
             <a:off x="1017415" y="256653"/>
+            <a:ext cx="3065776" cy="584775"/>
+          </a:xfrm>
+          <a:prstGeom prst="rect">
+            <a:avLst/>
+          </a:prstGeom>
+          <a:noFill/>
+        </p:spPr>
+        <p:txBody>
+          <a:bodyPr wrap="none" rtlCol="0">
+            <a:spAutoFit/>
+          </a:bodyPr>
+          <a:lstStyle/>
+          <a:p>
+            <a:r>
+              <a:rPr lang="ko-KR" altLang="en-US" sz="3200" b="1" dirty="0">
+                <a:solidFill>
+                  <a:schemeClr val="bg1"/>
+                </a:solidFill>
+                <a:effectLst>
+                  <a:outerShdw dist="50800" dir="2700000" algn="tl" rotWithShape="0">
+                    <a:schemeClr val="tx1">
+                      <a:lumMod val="50000"/>
+                      <a:lumOff val="50000"/>
+                      <a:alpha val="40000"/>
+                    </a:schemeClr>
+                  </a:outerShdw>
+                </a:effectLst>
+                <a:latin typeface="경기천년제목 Light" panose="02020403020101020101" pitchFamily="18" charset="-127"/>
+                <a:ea typeface="경기천년제목 Light" panose="02020403020101020101" pitchFamily="18" charset="-127"/>
+              </a:rPr>
+              <a:t>대시보드 </a:t>
+            </a:r>
+            <a:r>
+              <a:rPr lang="en-US" altLang="ko-KR" sz="3200" b="1" dirty="0">
+                <a:solidFill>
+                  <a:schemeClr val="bg1"/>
+                </a:solidFill>
+                <a:effectLst>
+                  <a:outerShdw dist="50800" dir="2700000" algn="tl" rotWithShape="0">
+                    <a:schemeClr val="tx1">
+                      <a:lumMod val="50000"/>
+                      <a:lumOff val="50000"/>
+                      <a:alpha val="40000"/>
+                    </a:schemeClr>
+                  </a:outerShdw>
+                </a:effectLst>
+                <a:latin typeface="경기천년제목 Light" panose="02020403020101020101" pitchFamily="18" charset="-127"/>
+                <a:ea typeface="경기천년제목 Light" panose="02020403020101020101" pitchFamily="18" charset="-127"/>
+              </a:rPr>
+              <a:t>: LOCAL</a:t>
+            </a:r>
+            <a:endParaRPr lang="ko-KR" altLang="en-US" sz="3200" b="1" dirty="0">
+              <a:solidFill>
+                <a:schemeClr val="bg1"/>
+              </a:solidFill>
+              <a:effectLst>
+                <a:outerShdw dist="50800" dir="2700000" algn="tl" rotWithShape="0">
+                  <a:schemeClr val="tx1">
+                    <a:lumMod val="50000"/>
+                    <a:lumOff val="50000"/>
+                    <a:alpha val="40000"/>
+                  </a:schemeClr>
+                </a:outerShdw>
+              </a:effectLst>
+              <a:latin typeface="경기천년제목 Light" panose="02020403020101020101" pitchFamily="18" charset="-127"/>
+              <a:ea typeface="경기천년제목 Light" panose="02020403020101020101" pitchFamily="18" charset="-127"/>
+            </a:endParaRPr>
+          </a:p>
+        </p:txBody>
+      </p:sp>
+      <p:sp>
+        <p:nvSpPr>
+          <p:cNvPr id="92" name="직사각형 91">
+            <a:extLst>
+              <a:ext uri="{FF2B5EF4-FFF2-40B4-BE49-F238E27FC236}">
+                <a16:creationId xmlns:a16="http://schemas.microsoft.com/office/drawing/2014/main" id="{50279E8A-8A6A-4D23-B726-BA5E3987978E}"/>
+              </a:ext>
+            </a:extLst>
+          </p:cNvPr>
+          <p:cNvSpPr/>
+          <p:nvPr/>
+        </p:nvSpPr>
+        <p:spPr>
+          <a:xfrm>
+            <a:off x="205430" y="103824"/>
+            <a:ext cx="864339" cy="830997"/>
+          </a:xfrm>
+          <a:prstGeom prst="rect">
+            <a:avLst/>
+          </a:prstGeom>
+        </p:spPr>
+        <p:txBody>
+          <a:bodyPr wrap="none">
+            <a:spAutoFit/>
+          </a:bodyPr>
+          <a:lstStyle/>
+          <a:p>
+            <a:r>
+              <a:rPr lang="en-US" altLang="ko-KR" sz="4800" b="1" dirty="0">
+                <a:solidFill>
+                  <a:schemeClr val="bg1"/>
+                </a:solidFill>
+                <a:effectLst>
+                  <a:outerShdw dist="50800" dir="2700000" algn="tl" rotWithShape="0">
+                    <a:schemeClr val="tx1">
+                      <a:lumMod val="50000"/>
+                      <a:lumOff val="50000"/>
+                      <a:alpha val="40000"/>
+                    </a:schemeClr>
+                  </a:outerShdw>
+                </a:effectLst>
+                <a:latin typeface="경기천년제목 Light" panose="02020403020101020101" pitchFamily="18" charset="-127"/>
+                <a:ea typeface="경기천년제목 Light" panose="02020403020101020101" pitchFamily="18" charset="-127"/>
+              </a:rPr>
+              <a:t>03</a:t>
+            </a:r>
+            <a:endParaRPr lang="ko-KR" altLang="en-US" sz="4800" dirty="0">
+              <a:latin typeface="경기천년제목 Light" panose="02020403020101020101" pitchFamily="18" charset="-127"/>
+              <a:ea typeface="경기천년제목 Light" panose="02020403020101020101" pitchFamily="18" charset="-127"/>
+            </a:endParaRPr>
+          </a:p>
+        </p:txBody>
+      </p:sp>
+      <p:sp>
+        <p:nvSpPr>
+          <p:cNvPr id="4" name="TextBox 3">
+            <a:extLst>
+              <a:ext uri="{FF2B5EF4-FFF2-40B4-BE49-F238E27FC236}">
+                <a16:creationId xmlns:a16="http://schemas.microsoft.com/office/drawing/2014/main" id="{6127970B-B92D-4CE9-9C31-4806F896E04A}"/>
+              </a:ext>
+            </a:extLst>
+          </p:cNvPr>
+          <p:cNvSpPr txBox="1"/>
+          <p:nvPr/>
+        </p:nvSpPr>
+        <p:spPr>
+          <a:xfrm>
+            <a:off x="634175" y="1532791"/>
+            <a:ext cx="3834130" cy="369332"/>
+          </a:xfrm>
+          <a:prstGeom prst="rect">
+            <a:avLst/>
+          </a:prstGeom>
+          <a:noFill/>
+        </p:spPr>
+        <p:txBody>
+          <a:bodyPr wrap="square" rtlCol="0">
+            <a:spAutoFit/>
+          </a:bodyPr>
+          <a:lstStyle/>
+          <a:p>
+            <a:r>
+              <a:rPr lang="en-US" altLang="ko-KR" dirty="0">
+                <a:latin typeface="경기천년제목 Light" panose="02020403020101020101" pitchFamily="18" charset="-127"/>
+                <a:ea typeface="경기천년제목 Light" panose="02020403020101020101" pitchFamily="18" charset="-127"/>
+              </a:rPr>
+              <a:t>(2-2)</a:t>
+            </a:r>
+          </a:p>
+        </p:txBody>
+      </p:sp>
+      <p:sp>
+        <p:nvSpPr>
+          <p:cNvPr id="23" name="TextBox 22">
+            <a:extLst>
+              <a:ext uri="{FF2B5EF4-FFF2-40B4-BE49-F238E27FC236}">
+                <a16:creationId xmlns:a16="http://schemas.microsoft.com/office/drawing/2014/main" id="{66DA0261-D07F-4D83-9CB6-EE1FFF2E37BF}"/>
+              </a:ext>
+            </a:extLst>
+          </p:cNvPr>
+          <p:cNvSpPr txBox="1"/>
+          <p:nvPr/>
+        </p:nvSpPr>
+        <p:spPr>
+          <a:xfrm>
+            <a:off x="4182248" y="3526607"/>
+            <a:ext cx="2063131" cy="646331"/>
+          </a:xfrm>
+          <a:prstGeom prst="rect">
+            <a:avLst/>
+          </a:prstGeom>
+          <a:noFill/>
+        </p:spPr>
+        <p:txBody>
+          <a:bodyPr wrap="square" rtlCol="0">
+            <a:spAutoFit/>
+          </a:bodyPr>
+          <a:lstStyle/>
+          <a:p>
+            <a:endParaRPr lang="en-US" altLang="ko-KR" dirty="0"/>
+          </a:p>
+          <a:p>
+            <a:endParaRPr lang="en-US" altLang="ko-KR" dirty="0"/>
+          </a:p>
+        </p:txBody>
+      </p:sp>
+      <p:pic>
+        <p:nvPicPr>
+          <p:cNvPr id="18" name="그림 17">
+            <a:extLst>
+              <a:ext uri="{FF2B5EF4-FFF2-40B4-BE49-F238E27FC236}">
+                <a16:creationId xmlns:a16="http://schemas.microsoft.com/office/drawing/2014/main" id="{D84B00FD-7B6C-4321-BEA7-1E4BC479DB78}"/>
+              </a:ext>
+            </a:extLst>
+          </p:cNvPr>
+          <p:cNvPicPr>
+            <a:picLocks noChangeAspect="1"/>
+          </p:cNvPicPr>
+          <p:nvPr/>
+        </p:nvPicPr>
+        <p:blipFill>
+          <a:blip r:embed="rId2"/>
+          <a:stretch>
+            <a:fillRect/>
+          </a:stretch>
+        </p:blipFill>
+        <p:spPr>
+          <a:xfrm>
+            <a:off x="634175" y="2482821"/>
+            <a:ext cx="3605631" cy="3293606"/>
+          </a:xfrm>
+          <a:prstGeom prst="rect">
+            <a:avLst/>
+          </a:prstGeom>
+        </p:spPr>
+      </p:pic>
+      <p:pic>
+        <p:nvPicPr>
+          <p:cNvPr id="19" name="그림 18">
+            <a:extLst>
+              <a:ext uri="{FF2B5EF4-FFF2-40B4-BE49-F238E27FC236}">
+                <a16:creationId xmlns:a16="http://schemas.microsoft.com/office/drawing/2014/main" id="{BB62A2E0-8674-4894-9761-B25A9D63295D}"/>
+              </a:ext>
+            </a:extLst>
+          </p:cNvPr>
+          <p:cNvPicPr>
+            <a:picLocks noChangeAspect="1"/>
+          </p:cNvPicPr>
+          <p:nvPr/>
+        </p:nvPicPr>
+        <p:blipFill>
+          <a:blip r:embed="rId3"/>
+          <a:stretch>
+            <a:fillRect/>
+          </a:stretch>
+        </p:blipFill>
+        <p:spPr>
+          <a:xfrm>
+            <a:off x="4689066" y="2482821"/>
+            <a:ext cx="7273547" cy="3131691"/>
+          </a:xfrm>
+          <a:prstGeom prst="rect">
+            <a:avLst/>
+          </a:prstGeom>
+        </p:spPr>
+      </p:pic>
+    </p:spTree>
+    <p:extLst>
+      <p:ext uri="{BB962C8B-B14F-4D97-AF65-F5344CB8AC3E}">
+        <p14:creationId xmlns:p14="http://schemas.microsoft.com/office/powerpoint/2010/main" val="3376852379"/>
+      </p:ext>
+    </p:extLst>
+  </p:cSld>
+  <p:clrMapOvr>
+    <a:masterClrMapping/>
+  </p:clrMapOvr>
+</p:sld>
+</file>
+
+<file path=ppt/slides/slide21.xml><?xml version="1.0" encoding="utf-8"?>
+<p:sld xmlns:a="http://schemas.openxmlformats.org/drawingml/2006/main" xmlns:r="http://schemas.openxmlformats.org/officeDocument/2006/relationships" xmlns:p="http://schemas.openxmlformats.org/presentationml/2006/main">
+  <p:cSld>
+    <p:spTree>
+      <p:nvGrpSpPr>
+        <p:cNvPr id="1" name=""/>
+        <p:cNvGrpSpPr/>
+        <p:nvPr/>
+      </p:nvGrpSpPr>
+      <p:grpSpPr>
+        <a:xfrm>
+          <a:off x="0" y="0"/>
+          <a:ext cx="0" cy="0"/>
+          <a:chOff x="0" y="0"/>
+          <a:chExt cx="0" cy="0"/>
+        </a:xfrm>
+      </p:grpSpPr>
+      <p:grpSp>
+        <p:nvGrpSpPr>
+          <p:cNvPr id="2" name="그룹 1"/>
+          <p:cNvGrpSpPr/>
+          <p:nvPr/>
+        </p:nvGrpSpPr>
+        <p:grpSpPr>
+          <a:xfrm rot="5400000">
+            <a:off x="5582310" y="-5582310"/>
+            <a:ext cx="1027385" cy="12192002"/>
+            <a:chOff x="1" y="-2"/>
+            <a:chExt cx="1027385" cy="6858003"/>
+          </a:xfrm>
+        </p:grpSpPr>
+        <p:sp>
+          <p:nvSpPr>
+            <p:cNvPr id="9" name="직각 삼각형 8"/>
+            <p:cNvSpPr/>
+            <p:nvPr/>
+          </p:nvSpPr>
+          <p:spPr>
+            <a:xfrm rot="10800000" flipH="1">
+              <a:off x="1" y="0"/>
+              <a:ext cx="820134" cy="6858000"/>
+            </a:xfrm>
+            <a:prstGeom prst="rtTriangle">
+              <a:avLst/>
+            </a:prstGeom>
+            <a:solidFill>
+              <a:schemeClr val="accent3">
+                <a:lumMod val="40000"/>
+                <a:lumOff val="60000"/>
+              </a:schemeClr>
+            </a:solidFill>
+            <a:ln>
+              <a:noFill/>
+            </a:ln>
+          </p:spPr>
+          <p:style>
+            <a:lnRef idx="2">
+              <a:schemeClr val="accent1">
+                <a:shade val="50000"/>
+              </a:schemeClr>
+            </a:lnRef>
+            <a:fillRef idx="1">
+              <a:schemeClr val="accent1"/>
+            </a:fillRef>
+            <a:effectRef idx="0">
+              <a:schemeClr val="accent1"/>
+            </a:effectRef>
+            <a:fontRef idx="minor">
+              <a:schemeClr val="lt1"/>
+            </a:fontRef>
+          </p:style>
+          <p:txBody>
+            <a:bodyPr rtlCol="0" anchor="ctr"/>
+            <a:lstStyle/>
+            <a:p>
+              <a:pPr algn="ctr"/>
+              <a:endParaRPr lang="ko-KR" altLang="en-US"/>
+            </a:p>
+          </p:txBody>
+        </p:sp>
+        <p:grpSp>
+          <p:nvGrpSpPr>
+            <p:cNvPr id="10" name="그룹 9"/>
+            <p:cNvGrpSpPr/>
+            <p:nvPr/>
+          </p:nvGrpSpPr>
+          <p:grpSpPr>
+            <a:xfrm>
+              <a:off x="4" y="-2"/>
+              <a:ext cx="1027382" cy="6858003"/>
+              <a:chOff x="5" y="-1"/>
+              <a:chExt cx="1423937" cy="6858001"/>
+            </a:xfrm>
+            <a:solidFill>
+              <a:schemeClr val="accent5">
+                <a:lumMod val="75000"/>
+              </a:schemeClr>
+            </a:solidFill>
+          </p:grpSpPr>
+          <p:sp>
+            <p:nvSpPr>
+              <p:cNvPr id="7" name="직사각형 6"/>
+              <p:cNvSpPr/>
+              <p:nvPr/>
+            </p:nvSpPr>
+            <p:spPr>
+              <a:xfrm>
+                <a:off x="5" y="0"/>
+                <a:ext cx="339704" cy="6858000"/>
+              </a:xfrm>
+              <a:prstGeom prst="rect">
+                <a:avLst/>
+              </a:prstGeom>
+              <a:solidFill>
+                <a:srgbClr val="C00000"/>
+              </a:solidFill>
+              <a:ln>
+                <a:noFill/>
+              </a:ln>
+            </p:spPr>
+            <p:style>
+              <a:lnRef idx="2">
+                <a:schemeClr val="accent1">
+                  <a:shade val="50000"/>
+                </a:schemeClr>
+              </a:lnRef>
+              <a:fillRef idx="1">
+                <a:schemeClr val="accent1"/>
+              </a:fillRef>
+              <a:effectRef idx="0">
+                <a:schemeClr val="accent1"/>
+              </a:effectRef>
+              <a:fontRef idx="minor">
+                <a:schemeClr val="lt1"/>
+              </a:fontRef>
+            </p:style>
+            <p:txBody>
+              <a:bodyPr rtlCol="0" anchor="ctr"/>
+              <a:lstStyle/>
+              <a:p>
+                <a:pPr algn="ctr"/>
+                <a:endParaRPr lang="ko-KR" altLang="en-US"/>
+              </a:p>
+            </p:txBody>
+          </p:sp>
+          <p:sp>
+            <p:nvSpPr>
+              <p:cNvPr id="8" name="직각 삼각형 7"/>
+              <p:cNvSpPr/>
+              <p:nvPr/>
+            </p:nvSpPr>
+            <p:spPr>
+              <a:xfrm>
+                <a:off x="339709" y="-1"/>
+                <a:ext cx="1084233" cy="6858000"/>
+              </a:xfrm>
+              <a:prstGeom prst="rtTriangle">
+                <a:avLst/>
+              </a:prstGeom>
+              <a:solidFill>
+                <a:srgbClr val="C00000"/>
+              </a:solidFill>
+              <a:ln>
+                <a:noFill/>
+              </a:ln>
+            </p:spPr>
+            <p:style>
+              <a:lnRef idx="2">
+                <a:schemeClr val="accent1">
+                  <a:shade val="50000"/>
+                </a:schemeClr>
+              </a:lnRef>
+              <a:fillRef idx="1">
+                <a:schemeClr val="accent1"/>
+              </a:fillRef>
+              <a:effectRef idx="0">
+                <a:schemeClr val="accent1"/>
+              </a:effectRef>
+              <a:fontRef idx="minor">
+                <a:schemeClr val="lt1"/>
+              </a:fontRef>
+            </p:style>
+            <p:txBody>
+              <a:bodyPr rtlCol="0" anchor="ctr"/>
+              <a:lstStyle/>
+              <a:p>
+                <a:pPr algn="ctr"/>
+                <a:endParaRPr lang="ko-KR" altLang="en-US"/>
+              </a:p>
+            </p:txBody>
+          </p:sp>
+        </p:grpSp>
+      </p:grpSp>
+      <p:grpSp>
+        <p:nvGrpSpPr>
+          <p:cNvPr id="3" name="그룹 2"/>
+          <p:cNvGrpSpPr/>
+          <p:nvPr/>
+        </p:nvGrpSpPr>
+        <p:grpSpPr>
+          <a:xfrm rot="5400000">
+            <a:off x="5824979" y="490979"/>
+            <a:ext cx="542042" cy="12192002"/>
+            <a:chOff x="10595728" y="-1"/>
+            <a:chExt cx="1596272" cy="6858001"/>
+          </a:xfrm>
+          <a:solidFill>
+            <a:schemeClr val="tx1">
+              <a:lumMod val="65000"/>
+              <a:lumOff val="35000"/>
+            </a:schemeClr>
+          </a:solidFill>
+        </p:grpSpPr>
+        <p:sp>
+          <p:nvSpPr>
+            <p:cNvPr id="15" name="직사각형 14"/>
+            <p:cNvSpPr/>
+            <p:nvPr/>
+          </p:nvSpPr>
+          <p:spPr>
+            <a:xfrm>
+              <a:off x="11771907" y="-1"/>
+              <a:ext cx="420093" cy="6858001"/>
+            </a:xfrm>
+            <a:prstGeom prst="rect">
+              <a:avLst/>
+            </a:prstGeom>
+            <a:grpFill/>
+            <a:ln>
+              <a:noFill/>
+            </a:ln>
+          </p:spPr>
+          <p:style>
+            <a:lnRef idx="2">
+              <a:schemeClr val="accent1">
+                <a:shade val="50000"/>
+              </a:schemeClr>
+            </a:lnRef>
+            <a:fillRef idx="1">
+              <a:schemeClr val="accent1"/>
+            </a:fillRef>
+            <a:effectRef idx="0">
+              <a:schemeClr val="accent1"/>
+            </a:effectRef>
+            <a:fontRef idx="minor">
+              <a:schemeClr val="lt1"/>
+            </a:fontRef>
+          </p:style>
+          <p:txBody>
+            <a:bodyPr rtlCol="0" anchor="ctr"/>
+            <a:lstStyle/>
+            <a:p>
+              <a:pPr algn="ctr"/>
+              <a:endParaRPr lang="ko-KR" altLang="en-US"/>
+            </a:p>
+          </p:txBody>
+        </p:sp>
+        <p:sp>
+          <p:nvSpPr>
+            <p:cNvPr id="16" name="직각 삼각형 15"/>
+            <p:cNvSpPr/>
+            <p:nvPr/>
+          </p:nvSpPr>
+          <p:spPr>
+            <a:xfrm flipH="1">
+              <a:off x="10595728" y="-1"/>
+              <a:ext cx="1176178" cy="6858001"/>
+            </a:xfrm>
+            <a:prstGeom prst="rtTriangle">
+              <a:avLst/>
+            </a:prstGeom>
+            <a:grpFill/>
+            <a:ln>
+              <a:noFill/>
+            </a:ln>
+          </p:spPr>
+          <p:style>
+            <a:lnRef idx="2">
+              <a:schemeClr val="accent1">
+                <a:shade val="50000"/>
+              </a:schemeClr>
+            </a:lnRef>
+            <a:fillRef idx="1">
+              <a:schemeClr val="accent1"/>
+            </a:fillRef>
+            <a:effectRef idx="0">
+              <a:schemeClr val="accent1"/>
+            </a:effectRef>
+            <a:fontRef idx="minor">
+              <a:schemeClr val="lt1"/>
+            </a:fontRef>
+          </p:style>
+          <p:txBody>
+            <a:bodyPr rtlCol="0" anchor="ctr"/>
+            <a:lstStyle/>
+            <a:p>
+              <a:pPr algn="ctr"/>
+              <a:endParaRPr lang="ko-KR" altLang="en-US"/>
+            </a:p>
+          </p:txBody>
+        </p:sp>
+      </p:grpSp>
+      <p:sp>
+        <p:nvSpPr>
+          <p:cNvPr id="91" name="TextBox 90">
+            <a:extLst>
+              <a:ext uri="{FF2B5EF4-FFF2-40B4-BE49-F238E27FC236}">
+                <a16:creationId xmlns:a16="http://schemas.microsoft.com/office/drawing/2014/main" id="{7543A4EC-9130-4F06-BB0C-E12431760161}"/>
+              </a:ext>
+            </a:extLst>
+          </p:cNvPr>
+          <p:cNvSpPr txBox="1"/>
+          <p:nvPr/>
+        </p:nvSpPr>
+        <p:spPr>
+          <a:xfrm>
+            <a:off x="1017415" y="256653"/>
             <a:ext cx="2844048" cy="584775"/>
           </a:xfrm>
           <a:prstGeom prst="rect">
@@ -20519,7 +21417,7 @@
 </p:sld>
 </file>
 
-<file path=ppt/slides/slide21.xml><?xml version="1.0" encoding="utf-8"?>
+<file path=ppt/slides/slide22.xml><?xml version="1.0" encoding="utf-8"?>
 <p:sld xmlns:a="http://schemas.openxmlformats.org/drawingml/2006/main" xmlns:r="http://schemas.openxmlformats.org/officeDocument/2006/relationships" xmlns:p="http://schemas.openxmlformats.org/presentationml/2006/main">
   <p:cSld>
     <p:spTree>
@@ -20766,7 +21664,7 @@
         <p:spPr>
           <a:xfrm>
             <a:off x="3381988" y="2848648"/>
-            <a:ext cx="2635914" cy="461665"/>
+            <a:ext cx="1997663" cy="461665"/>
           </a:xfrm>
           <a:prstGeom prst="rect">
             <a:avLst/>
@@ -20780,7 +21678,7 @@
           <a:lstStyle/>
           <a:p>
             <a:r>
-              <a:rPr lang="en-US" altLang="ko-KR" sz="2400" b="1" dirty="0">
+              <a:rPr lang="ko-KR" altLang="en-US" sz="2400" b="1" dirty="0" err="1">
                 <a:solidFill>
                   <a:srgbClr val="C00000"/>
                 </a:solidFill>
@@ -20796,24 +21694,27 @@
                 <a:latin typeface="스웨거 TTF" panose="020B0600000101010101" pitchFamily="50" charset="-127"/>
                 <a:ea typeface="스웨거 TTF" panose="020B0600000101010101" pitchFamily="50" charset="-127"/>
               </a:rPr>
-              <a:t>PRESENTATION SUBTITLE</a:t>
+              <a:t>청년들이여</a:t>
             </a:r>
-            <a:endParaRPr lang="ko-KR" altLang="en-US" sz="2400" b="1" dirty="0">
-              <a:solidFill>
-                <a:srgbClr val="C00000"/>
-              </a:solidFill>
-              <a:effectLst>
-                <a:outerShdw dist="50800" dir="2700000" algn="tl" rotWithShape="0">
-                  <a:schemeClr val="accent5">
-                    <a:lumMod val="60000"/>
-                    <a:lumOff val="40000"/>
-                    <a:alpha val="40000"/>
-                  </a:schemeClr>
-                </a:outerShdw>
-              </a:effectLst>
-              <a:latin typeface="스웨거 TTF" panose="020B0600000101010101" pitchFamily="50" charset="-127"/>
-              <a:ea typeface="스웨거 TTF" panose="020B0600000101010101" pitchFamily="50" charset="-127"/>
-            </a:endParaRPr>
+            <a:r>
+              <a:rPr lang="ko-KR" altLang="en-US" sz="2400" b="1" dirty="0">
+                <a:solidFill>
+                  <a:srgbClr val="C00000"/>
+                </a:solidFill>
+                <a:effectLst>
+                  <a:outerShdw dist="50800" dir="2700000" algn="tl" rotWithShape="0">
+                    <a:schemeClr val="accent5">
+                      <a:lumMod val="60000"/>
+                      <a:lumOff val="40000"/>
+                      <a:alpha val="40000"/>
+                    </a:schemeClr>
+                  </a:outerShdw>
+                </a:effectLst>
+                <a:latin typeface="스웨거 TTF" panose="020B0600000101010101" pitchFamily="50" charset="-127"/>
+                <a:ea typeface="스웨거 TTF" panose="020B0600000101010101" pitchFamily="50" charset="-127"/>
+              </a:rPr>
+              <a:t> 일어나라</a:t>
+            </a:r>
           </a:p>
         </p:txBody>
       </p:sp>
@@ -20825,8 +21726,8 @@
         </p:nvSpPr>
         <p:spPr>
           <a:xfrm>
-            <a:off x="3673213" y="5080934"/>
-            <a:ext cx="1584088" cy="600164"/>
+            <a:off x="3783437" y="6618827"/>
+            <a:ext cx="5678177" cy="230832"/>
           </a:xfrm>
           <a:prstGeom prst="rect">
             <a:avLst/>
@@ -20839,13 +21740,13 @@
           </a:ln>
         </p:spPr>
         <p:txBody>
-          <a:bodyPr wrap="none" rtlCol="0">
+          <a:bodyPr wrap="square" rtlCol="0">
             <a:spAutoFit/>
           </a:bodyPr>
           <a:lstStyle/>
           <a:p>
             <a:r>
-              <a:rPr lang="en-US" altLang="ko-KR" sz="1100" dirty="0">
+              <a:rPr lang="en-US" altLang="ko-KR" sz="900" dirty="0">
                 <a:ln>
                   <a:solidFill>
                     <a:schemeClr val="tx1">
@@ -20864,57 +21765,9 @@
                 <a:latin typeface="스웨거 TTF" panose="020B0600000101010101" pitchFamily="50" charset="-127"/>
                 <a:ea typeface="스웨거 TTF" panose="020B0600000101010101" pitchFamily="50" charset="-127"/>
               </a:rPr>
-              <a:t>DINGDINGSHOP UNIVERSITY</a:t>
+              <a:t>DINGDINGSHOP UNIVERSITY INDUSTRIAL DESIGN 20170402 CHOI EUNZY</a:t>
             </a:r>
-          </a:p>
-          <a:p>
-            <a:r>
-              <a:rPr lang="en-US" altLang="ko-KR" sz="1100" dirty="0">
-                <a:ln>
-                  <a:solidFill>
-                    <a:schemeClr val="tx1">
-                      <a:lumMod val="75000"/>
-                      <a:lumOff val="25000"/>
-                      <a:alpha val="4000"/>
-                    </a:schemeClr>
-                  </a:solidFill>
-                </a:ln>
-                <a:solidFill>
-                  <a:schemeClr val="tx1">
-                    <a:lumMod val="65000"/>
-                    <a:lumOff val="35000"/>
-                  </a:schemeClr>
-                </a:solidFill>
-                <a:latin typeface="스웨거 TTF" panose="020B0600000101010101" pitchFamily="50" charset="-127"/>
-                <a:ea typeface="스웨거 TTF" panose="020B0600000101010101" pitchFamily="50" charset="-127"/>
-              </a:rPr>
-              <a:t>INDUSTRIAL DESIGN 20170402</a:t>
-            </a:r>
-          </a:p>
-          <a:p>
-            <a:r>
-              <a:rPr lang="en-US" altLang="ko-KR" sz="1100" dirty="0">
-                <a:ln>
-                  <a:solidFill>
-                    <a:schemeClr val="tx1">
-                      <a:lumMod val="75000"/>
-                      <a:lumOff val="25000"/>
-                      <a:alpha val="4000"/>
-                    </a:schemeClr>
-                  </a:solidFill>
-                </a:ln>
-                <a:solidFill>
-                  <a:schemeClr val="tx1">
-                    <a:lumMod val="65000"/>
-                    <a:lumOff val="35000"/>
-                  </a:schemeClr>
-                </a:solidFill>
-                <a:latin typeface="스웨거 TTF" panose="020B0600000101010101" pitchFamily="50" charset="-127"/>
-                <a:ea typeface="스웨거 TTF" panose="020B0600000101010101" pitchFamily="50" charset="-127"/>
-              </a:rPr>
-              <a:t>CHOI EUNZY</a:t>
-            </a:r>
-            <a:endParaRPr lang="ko-KR" altLang="en-US" sz="1100" dirty="0">
+            <a:endParaRPr lang="ko-KR" altLang="en-US" sz="900" dirty="0">
               <a:ln>
                 <a:solidFill>
                   <a:schemeClr val="tx1">
